--- a/Slides/ggl010-Entity.pptx
+++ b/Slides/ggl010-Entity.pptx
@@ -5,23 +5,20 @@
     <p:sldMasterId id="2147483648" r:id="rId1"/>
   </p:sldMasterIdLst>
   <p:notesMasterIdLst>
-    <p:notesMasterId r:id="rId16"/>
+    <p:notesMasterId r:id="rId13"/>
   </p:notesMasterIdLst>
   <p:sldIdLst>
     <p:sldId id="256" r:id="rId2"/>
     <p:sldId id="559" r:id="rId3"/>
-    <p:sldId id="601" r:id="rId4"/>
-    <p:sldId id="602" r:id="rId5"/>
-    <p:sldId id="603" r:id="rId6"/>
-    <p:sldId id="599" r:id="rId7"/>
-    <p:sldId id="604" r:id="rId8"/>
-    <p:sldId id="600" r:id="rId9"/>
-    <p:sldId id="605" r:id="rId10"/>
-    <p:sldId id="610" r:id="rId11"/>
-    <p:sldId id="606" r:id="rId12"/>
-    <p:sldId id="607" r:id="rId13"/>
-    <p:sldId id="608" r:id="rId14"/>
-    <p:sldId id="609" r:id="rId15"/>
+    <p:sldId id="599" r:id="rId4"/>
+    <p:sldId id="604" r:id="rId5"/>
+    <p:sldId id="600" r:id="rId6"/>
+    <p:sldId id="605" r:id="rId7"/>
+    <p:sldId id="610" r:id="rId8"/>
+    <p:sldId id="606" r:id="rId9"/>
+    <p:sldId id="607" r:id="rId10"/>
+    <p:sldId id="608" r:id="rId11"/>
+    <p:sldId id="609" r:id="rId12"/>
   </p:sldIdLst>
   <p:sldSz cx="9144000" cy="6858000" type="screen4x3"/>
   <p:notesSz cx="6858000" cy="9144000"/>
@@ -222,7 +219,7 @@
             <a:fld id="{C0D025BB-35D5-419D-8ED2-E5EDB67F143A}" type="datetimeFigureOut">
               <a:rPr lang="en-US" smtClean="0"/>
               <a:pPr/>
-              <a:t>11/15/2019</a:t>
+              <a:t>10/15/2020</a:t>
             </a:fld>
             <a:endParaRPr lang="en-US"/>
           </a:p>
@@ -570,7 +567,7 @@
     </p:spTree>
     <p:extLst>
       <p:ext uri="{BB962C8B-B14F-4D97-AF65-F5344CB8AC3E}">
-        <p14:creationId xmlns:p14="http://schemas.microsoft.com/office/powerpoint/2010/main" val="3010049131"/>
+        <p14:creationId xmlns:p14="http://schemas.microsoft.com/office/powerpoint/2010/main" val="1572448852"/>
       </p:ext>
     </p:extLst>
   </p:cSld>
@@ -648,181 +645,7 @@
             <a:fld id="{EE1CB54F-71BB-491D-A98F-DF04FDAAD72D}" type="slidenum">
               <a:rPr lang="en-US" smtClean="0"/>
               <a:pPr/>
-              <a:t>4</a:t>
-            </a:fld>
-            <a:endParaRPr lang="en-US"/>
-          </a:p>
-        </p:txBody>
-      </p:sp>
-    </p:spTree>
-    <p:extLst>
-      <p:ext uri="{BB962C8B-B14F-4D97-AF65-F5344CB8AC3E}">
-        <p14:creationId xmlns:p14="http://schemas.microsoft.com/office/powerpoint/2010/main" val="1845373595"/>
-      </p:ext>
-    </p:extLst>
-  </p:cSld>
-  <p:clrMapOvr>
-    <a:masterClrMapping/>
-  </p:clrMapOvr>
-</p:notes>
-</file>
-
-<file path=ppt/notesSlides/notesSlide3.xml><?xml version="1.0" encoding="utf-8"?>
-<p:notes xmlns:a="http://schemas.openxmlformats.org/drawingml/2006/main" xmlns:r="http://schemas.openxmlformats.org/officeDocument/2006/relationships" xmlns:p="http://schemas.openxmlformats.org/presentationml/2006/main">
-  <p:cSld>
-    <p:spTree>
-      <p:nvGrpSpPr>
-        <p:cNvPr id="1" name=""/>
-        <p:cNvGrpSpPr/>
-        <p:nvPr/>
-      </p:nvGrpSpPr>
-      <p:grpSpPr>
-        <a:xfrm>
-          <a:off x="0" y="0"/>
-          <a:ext cx="0" cy="0"/>
-          <a:chOff x="0" y="0"/>
-          <a:chExt cx="0" cy="0"/>
-        </a:xfrm>
-      </p:grpSpPr>
-      <p:sp>
-        <p:nvSpPr>
-          <p:cNvPr id="2" name="Slide Image Placeholder 1"/>
-          <p:cNvSpPr>
-            <a:spLocks noGrp="1" noRot="1" noChangeAspect="1"/>
-          </p:cNvSpPr>
-          <p:nvPr>
-            <p:ph type="sldImg"/>
-          </p:nvPr>
-        </p:nvSpPr>
-        <p:spPr/>
-      </p:sp>
-      <p:sp>
-        <p:nvSpPr>
-          <p:cNvPr id="3" name="Notes Placeholder 2"/>
-          <p:cNvSpPr>
-            <a:spLocks noGrp="1"/>
-          </p:cNvSpPr>
-          <p:nvPr>
-            <p:ph type="body" idx="1"/>
-          </p:nvPr>
-        </p:nvSpPr>
-        <p:spPr/>
-        <p:txBody>
-          <a:bodyPr>
-            <a:normAutofit/>
-          </a:bodyPr>
-          <a:lstStyle/>
-          <a:p>
-            <a:endParaRPr lang="en-US" dirty="0"/>
-          </a:p>
-        </p:txBody>
-      </p:sp>
-      <p:sp>
-        <p:nvSpPr>
-          <p:cNvPr id="4" name="Slide Number Placeholder 3"/>
-          <p:cNvSpPr>
-            <a:spLocks noGrp="1"/>
-          </p:cNvSpPr>
-          <p:nvPr>
-            <p:ph type="sldNum" sz="quarter" idx="5"/>
-          </p:nvPr>
-        </p:nvSpPr>
-        <p:spPr/>
-        <p:txBody>
-          <a:bodyPr/>
-          <a:lstStyle/>
-          <a:p>
-            <a:fld id="{EE1CB54F-71BB-491D-A98F-DF04FDAAD72D}" type="slidenum">
-              <a:rPr lang="en-US" smtClean="0"/>
-              <a:pPr/>
-              <a:t>6</a:t>
-            </a:fld>
-            <a:endParaRPr lang="en-US"/>
-          </a:p>
-        </p:txBody>
-      </p:sp>
-    </p:spTree>
-    <p:extLst>
-      <p:ext uri="{BB962C8B-B14F-4D97-AF65-F5344CB8AC3E}">
-        <p14:creationId xmlns:p14="http://schemas.microsoft.com/office/powerpoint/2010/main" val="1572448852"/>
-      </p:ext>
-    </p:extLst>
-  </p:cSld>
-  <p:clrMapOvr>
-    <a:masterClrMapping/>
-  </p:clrMapOvr>
-</p:notes>
-</file>
-
-<file path=ppt/notesSlides/notesSlide4.xml><?xml version="1.0" encoding="utf-8"?>
-<p:notes xmlns:a="http://schemas.openxmlformats.org/drawingml/2006/main" xmlns:r="http://schemas.openxmlformats.org/officeDocument/2006/relationships" xmlns:p="http://schemas.openxmlformats.org/presentationml/2006/main">
-  <p:cSld>
-    <p:spTree>
-      <p:nvGrpSpPr>
-        <p:cNvPr id="1" name=""/>
-        <p:cNvGrpSpPr/>
-        <p:nvPr/>
-      </p:nvGrpSpPr>
-      <p:grpSpPr>
-        <a:xfrm>
-          <a:off x="0" y="0"/>
-          <a:ext cx="0" cy="0"/>
-          <a:chOff x="0" y="0"/>
-          <a:chExt cx="0" cy="0"/>
-        </a:xfrm>
-      </p:grpSpPr>
-      <p:sp>
-        <p:nvSpPr>
-          <p:cNvPr id="2" name="Slide Image Placeholder 1"/>
-          <p:cNvSpPr>
-            <a:spLocks noGrp="1" noRot="1" noChangeAspect="1"/>
-          </p:cNvSpPr>
-          <p:nvPr>
-            <p:ph type="sldImg"/>
-          </p:nvPr>
-        </p:nvSpPr>
-        <p:spPr/>
-      </p:sp>
-      <p:sp>
-        <p:nvSpPr>
-          <p:cNvPr id="3" name="Notes Placeholder 2"/>
-          <p:cNvSpPr>
-            <a:spLocks noGrp="1"/>
-          </p:cNvSpPr>
-          <p:nvPr>
-            <p:ph type="body" idx="1"/>
-          </p:nvPr>
-        </p:nvSpPr>
-        <p:spPr/>
-        <p:txBody>
-          <a:bodyPr>
-            <a:normAutofit/>
-          </a:bodyPr>
-          <a:lstStyle/>
-          <a:p>
-            <a:endParaRPr lang="en-US" dirty="0"/>
-          </a:p>
-        </p:txBody>
-      </p:sp>
-      <p:sp>
-        <p:nvSpPr>
-          <p:cNvPr id="4" name="Slide Number Placeholder 3"/>
-          <p:cNvSpPr>
-            <a:spLocks noGrp="1"/>
-          </p:cNvSpPr>
-          <p:nvPr>
-            <p:ph type="sldNum" sz="quarter" idx="5"/>
-          </p:nvPr>
-        </p:nvSpPr>
-        <p:spPr/>
-        <p:txBody>
-          <a:bodyPr/>
-          <a:lstStyle/>
-          <a:p>
-            <a:fld id="{EE1CB54F-71BB-491D-A98F-DF04FDAAD72D}" type="slidenum">
-              <a:rPr lang="en-US" smtClean="0"/>
-              <a:pPr/>
-              <a:t>8</a:t>
+              <a:t>5</a:t>
             </a:fld>
             <a:endParaRPr lang="en-US"/>
           </a:p>
@@ -1568,7 +1391,7 @@
             <a:fld id="{77DAEA1A-6276-4434-840E-9C81C04BC3C1}" type="datetimeFigureOut">
               <a:rPr lang="en-US" smtClean="0"/>
               <a:pPr/>
-              <a:t>11/15/2019</a:t>
+              <a:t>10/15/2020</a:t>
             </a:fld>
             <a:endParaRPr lang="en-US"/>
           </a:p>
@@ -2032,6 +1855,13 @@
   <p:clrMapOvr>
     <a:masterClrMapping/>
   </p:clrMapOvr>
+  <p:timing>
+    <p:tnLst>
+      <p:par>
+        <p:cTn id="1" dur="indefinite" restart="never" nodeType="tmRoot"/>
+      </p:par>
+    </p:tnLst>
+  </p:timing>
 </p:sld>
 </file>
 
@@ -2054,7 +1884,7 @@
       </p:grpSpPr>
       <p:sp>
         <p:nvSpPr>
-          <p:cNvPr id="2" name="Title 1"/>
+          <p:cNvPr id="4" name="Title 3"/>
           <p:cNvSpPr>
             <a:spLocks noGrp="1"/>
           </p:cNvSpPr>
@@ -2068,8 +1898,8 @@
           <a:lstStyle/>
           <a:p>
             <a:r>
-              <a:rPr lang="en-US" dirty="0" err="1" smtClean="0"/>
-              <a:t>LoadAssets</a:t>
+              <a:rPr lang="hu-HU" dirty="0" smtClean="0"/>
+              <a:t>ggl010App</a:t>
             </a:r>
             <a:endParaRPr lang="en-US" dirty="0"/>
           </a:p>
@@ -2077,139 +1907,12 @@
       </p:sp>
       <p:sp>
         <p:nvSpPr>
-          <p:cNvPr id="3" name="Text Placeholder 2"/>
+          <p:cNvPr id="5" name="Text Placeholder 4"/>
           <p:cNvSpPr>
             <a:spLocks noGrp="1"/>
           </p:cNvSpPr>
           <p:nvPr>
             <p:ph type="body" sz="quarter" idx="13"/>
-          </p:nvPr>
-        </p:nvSpPr>
-        <p:spPr/>
-        <p:txBody>
-          <a:bodyPr>
-            <a:normAutofit/>
-          </a:bodyPr>
-          <a:lstStyle/>
-          <a:p>
-            <a:r>
-              <a:rPr lang="en-US" sz="2800" dirty="0">
-                <a:solidFill>
-                  <a:schemeClr val="bg1">
-                    <a:lumMod val="50000"/>
-                  </a:schemeClr>
-                </a:solidFill>
-              </a:rPr>
-              <a:t>material-&gt;</a:t>
-            </a:r>
-            <a:r>
-              <a:rPr lang="en-US" sz="2800" dirty="0" err="1">
-                <a:solidFill>
-                  <a:schemeClr val="bg1">
-                    <a:lumMod val="50000"/>
-                  </a:schemeClr>
-                </a:solidFill>
-              </a:rPr>
-              <a:t>SetConstantBuffer</a:t>
-            </a:r>
-            <a:r>
-              <a:rPr lang="en-US" sz="2800" dirty="0">
-                <a:solidFill>
-                  <a:schemeClr val="bg1">
-                    <a:lumMod val="50000"/>
-                  </a:schemeClr>
-                </a:solidFill>
-              </a:rPr>
-              <a:t>(</a:t>
-            </a:r>
-            <a:r>
-              <a:rPr lang="en-US" sz="2800" dirty="0" err="1">
-                <a:solidFill>
-                  <a:schemeClr val="bg1">
-                    <a:lumMod val="50000"/>
-                  </a:schemeClr>
-                </a:solidFill>
-              </a:rPr>
-              <a:t>cb</a:t>
-            </a:r>
-            <a:r>
-              <a:rPr lang="en-US" sz="2800" dirty="0"/>
-              <a:t>, </a:t>
-            </a:r>
-            <a:r>
-              <a:rPr lang="en-US" sz="2800" dirty="0" err="1"/>
-              <a:t>sizeof</a:t>
-            </a:r>
-            <a:r>
-              <a:rPr lang="en-US" sz="2800" dirty="0"/>
-              <a:t>(Egg::Scene::</a:t>
-            </a:r>
-            <a:r>
-              <a:rPr lang="en-US" sz="2800" dirty="0" err="1"/>
-              <a:t>PerObjectData</a:t>
-            </a:r>
-            <a:r>
-              <a:rPr lang="en-US" sz="2800" dirty="0"/>
-              <a:t>)</a:t>
-            </a:r>
-            <a:r>
-              <a:rPr lang="en-US" sz="2800" dirty="0">
-                <a:solidFill>
-                  <a:schemeClr val="bg1">
-                    <a:lumMod val="50000"/>
-                  </a:schemeClr>
-                </a:solidFill>
-              </a:rPr>
-              <a:t>);</a:t>
-            </a:r>
-          </a:p>
-        </p:txBody>
-      </p:sp>
-    </p:spTree>
-    <p:extLst>
-      <p:ext uri="{BB962C8B-B14F-4D97-AF65-F5344CB8AC3E}">
-        <p14:creationId xmlns:p14="http://schemas.microsoft.com/office/powerpoint/2010/main" val="742420800"/>
-      </p:ext>
-    </p:extLst>
-  </p:cSld>
-  <p:clrMapOvr>
-    <a:masterClrMapping/>
-  </p:clrMapOvr>
-  <p:timing>
-    <p:tnLst>
-      <p:par>
-        <p:cTn id="1" dur="indefinite" restart="never" nodeType="tmRoot"/>
-      </p:par>
-    </p:tnLst>
-  </p:timing>
-</p:sld>
-</file>
-
-<file path=ppt/slides/slide11.xml><?xml version="1.0" encoding="utf-8"?>
-<p:sld xmlns:a="http://schemas.openxmlformats.org/drawingml/2006/main" xmlns:r="http://schemas.openxmlformats.org/officeDocument/2006/relationships" xmlns:p="http://schemas.openxmlformats.org/presentationml/2006/main">
-  <p:cSld>
-    <p:spTree>
-      <p:nvGrpSpPr>
-        <p:cNvPr id="1" name=""/>
-        <p:cNvGrpSpPr/>
-        <p:nvPr/>
-      </p:nvGrpSpPr>
-      <p:grpSpPr>
-        <a:xfrm>
-          <a:off x="0" y="0"/>
-          <a:ext cx="0" cy="0"/>
-          <a:chOff x="0" y="0"/>
-          <a:chExt cx="0" cy="0"/>
-        </a:xfrm>
-      </p:grpSpPr>
-      <p:sp>
-        <p:nvSpPr>
-          <p:cNvPr id="4" name="Title 3"/>
-          <p:cNvSpPr>
-            <a:spLocks noGrp="1"/>
-          </p:cNvSpPr>
-          <p:nvPr>
-            <p:ph type="title"/>
           </p:nvPr>
         </p:nvSpPr>
         <p:spPr/>
@@ -2217,230 +1920,20 @@
           <a:bodyPr/>
           <a:lstStyle/>
           <a:p>
-            <a:r>
-              <a:rPr lang="hu-HU" dirty="0" smtClean="0"/>
-              <a:t>Várt eredmény</a:t>
-            </a:r>
             <a:endParaRPr lang="en-US" dirty="0"/>
           </a:p>
-        </p:txBody>
-      </p:sp>
-      <p:sp>
-        <p:nvSpPr>
-          <p:cNvPr id="5" name="Content Placeholder 4"/>
-          <p:cNvSpPr>
-            <a:spLocks noGrp="1"/>
-          </p:cNvSpPr>
-          <p:nvPr>
-            <p:ph idx="1"/>
-          </p:nvPr>
-        </p:nvSpPr>
-        <p:spPr/>
-        <p:txBody>
-          <a:bodyPr/>
-          <a:lstStyle/>
-          <a:p>
-            <a:r>
-              <a:rPr lang="hu-HU" dirty="0" smtClean="0"/>
-              <a:t>100 zsiráf</a:t>
-            </a:r>
-            <a:endParaRPr lang="en-US" dirty="0"/>
-          </a:p>
-        </p:txBody>
-      </p:sp>
-    </p:spTree>
-    <p:extLst>
-      <p:ext uri="{BB962C8B-B14F-4D97-AF65-F5344CB8AC3E}">
-        <p14:creationId xmlns:p14="http://schemas.microsoft.com/office/powerpoint/2010/main" val="1360246819"/>
-      </p:ext>
-    </p:extLst>
-  </p:cSld>
-  <p:clrMapOvr>
-    <a:masterClrMapping/>
-  </p:clrMapOvr>
-  <p:timing>
-    <p:tnLst>
-      <p:par>
-        <p:cTn id="1" dur="indefinite" restart="never" nodeType="tmRoot"/>
-      </p:par>
-    </p:tnLst>
-  </p:timing>
-</p:sld>
-</file>
-
-<file path=ppt/slides/slide12.xml><?xml version="1.0" encoding="utf-8"?>
-<p:sld xmlns:a="http://schemas.openxmlformats.org/drawingml/2006/main" xmlns:r="http://schemas.openxmlformats.org/officeDocument/2006/relationships" xmlns:p="http://schemas.openxmlformats.org/presentationml/2006/main">
-  <p:cSld>
-    <p:spTree>
-      <p:nvGrpSpPr>
-        <p:cNvPr id="1" name=""/>
-        <p:cNvGrpSpPr/>
-        <p:nvPr/>
-      </p:nvGrpSpPr>
-      <p:grpSpPr>
-        <a:xfrm>
-          <a:off x="0" y="0"/>
-          <a:ext cx="0" cy="0"/>
-          <a:chOff x="0" y="0"/>
-          <a:chExt cx="0" cy="0"/>
-        </a:xfrm>
-      </p:grpSpPr>
-      <p:sp>
-        <p:nvSpPr>
-          <p:cNvPr id="2" name="Title 1"/>
-          <p:cNvSpPr>
-            <a:spLocks noGrp="1"/>
-          </p:cNvSpPr>
-          <p:nvPr>
-            <p:ph type="title"/>
-          </p:nvPr>
-        </p:nvSpPr>
-        <p:spPr/>
-        <p:txBody>
-          <a:bodyPr/>
-          <a:lstStyle/>
-          <a:p>
-            <a:r>
-              <a:rPr lang="hu-HU" dirty="0" smtClean="0"/>
-              <a:t>Feladat</a:t>
-            </a:r>
-            <a:endParaRPr lang="en-US" dirty="0"/>
-          </a:p>
-        </p:txBody>
-      </p:sp>
-      <p:sp>
-        <p:nvSpPr>
-          <p:cNvPr id="3" name="Content Placeholder 2"/>
-          <p:cNvSpPr>
-            <a:spLocks noGrp="1"/>
-          </p:cNvSpPr>
-          <p:nvPr>
-            <p:ph idx="1"/>
-          </p:nvPr>
-        </p:nvSpPr>
-        <p:spPr/>
-        <p:txBody>
-          <a:bodyPr/>
-          <a:lstStyle/>
-          <a:p>
-            <a:r>
-              <a:rPr lang="hu-HU" dirty="0" smtClean="0"/>
-              <a:t>100 entitás</a:t>
-            </a:r>
-          </a:p>
-          <a:p>
-            <a:endParaRPr lang="hu-HU" dirty="0"/>
-          </a:p>
-          <a:p>
-            <a:r>
-              <a:rPr lang="hu-HU" dirty="0" smtClean="0"/>
-              <a:t>következő diák, plusz:</a:t>
-            </a:r>
-          </a:p>
-          <a:p>
-            <a:r>
-              <a:rPr lang="hu-HU" smtClean="0"/>
-              <a:t>LoadAssetsben </a:t>
-            </a:r>
-            <a:r>
-              <a:rPr lang="hu-HU" dirty="0" smtClean="0"/>
-              <a:t>100 entity létrehozása</a:t>
-            </a:r>
-          </a:p>
-          <a:p>
-            <a:r>
-              <a:rPr lang="hu-HU" dirty="0" smtClean="0"/>
-              <a:t>rajzoláskor az összes rajzolása</a:t>
-            </a:r>
-            <a:endParaRPr lang="en-US" dirty="0"/>
-          </a:p>
-        </p:txBody>
-      </p:sp>
-    </p:spTree>
-    <p:extLst>
-      <p:ext uri="{BB962C8B-B14F-4D97-AF65-F5344CB8AC3E}">
-        <p14:creationId xmlns:p14="http://schemas.microsoft.com/office/powerpoint/2010/main" val="895103360"/>
-      </p:ext>
-    </p:extLst>
-  </p:cSld>
-  <p:clrMapOvr>
-    <a:masterClrMapping/>
-  </p:clrMapOvr>
-  <p:timing>
-    <p:tnLst>
-      <p:par>
-        <p:cTn id="1" dur="indefinite" restart="never" nodeType="tmRoot"/>
-      </p:par>
-    </p:tnLst>
-  </p:timing>
-</p:sld>
-</file>
-
-<file path=ppt/slides/slide13.xml><?xml version="1.0" encoding="utf-8"?>
-<p:sld xmlns:a="http://schemas.openxmlformats.org/drawingml/2006/main" xmlns:r="http://schemas.openxmlformats.org/officeDocument/2006/relationships" xmlns:p="http://schemas.openxmlformats.org/presentationml/2006/main">
-  <p:cSld>
-    <p:spTree>
-      <p:nvGrpSpPr>
-        <p:cNvPr id="1" name=""/>
-        <p:cNvGrpSpPr/>
-        <p:nvPr/>
-      </p:nvGrpSpPr>
-      <p:grpSpPr>
-        <a:xfrm>
-          <a:off x="0" y="0"/>
-          <a:ext cx="0" cy="0"/>
-          <a:chOff x="0" y="0"/>
-          <a:chExt cx="0" cy="0"/>
-        </a:xfrm>
-      </p:grpSpPr>
-      <p:sp>
-        <p:nvSpPr>
-          <p:cNvPr id="4" name="Title 3"/>
-          <p:cNvSpPr>
-            <a:spLocks noGrp="1"/>
-          </p:cNvSpPr>
-          <p:nvPr>
-            <p:ph type="title"/>
-          </p:nvPr>
-        </p:nvSpPr>
-        <p:spPr/>
-        <p:txBody>
-          <a:bodyPr/>
-          <a:lstStyle/>
-          <a:p>
-            <a:r>
-              <a:rPr lang="hu-HU" dirty="0" smtClean="0"/>
-              <a:t>ggl010App</a:t>
-            </a:r>
-            <a:endParaRPr lang="en-US" dirty="0"/>
-          </a:p>
-        </p:txBody>
-      </p:sp>
-      <p:sp>
-        <p:nvSpPr>
-          <p:cNvPr id="5" name="Text Placeholder 4"/>
-          <p:cNvSpPr>
-            <a:spLocks noGrp="1"/>
-          </p:cNvSpPr>
-          <p:nvPr>
-            <p:ph type="body" sz="quarter" idx="13"/>
-          </p:nvPr>
-        </p:nvSpPr>
-        <p:spPr/>
-        <p:txBody>
-          <a:bodyPr/>
-          <a:lstStyle/>
-          <a:p>
-            <a:endParaRPr lang="en-US" dirty="0"/>
-          </a:p>
           <a:p>
             <a:r>
               <a:rPr lang="en-US" dirty="0"/>
-              <a:t>#include &lt;Egg/Scene/</a:t>
-            </a:r>
-            <a:r>
-              <a:rPr lang="en-US" dirty="0" err="1"/>
-              <a:t>StaticEntity.h</a:t>
+              <a:t>#include &lt;</a:t>
+            </a:r>
+            <a:r>
+              <a:rPr lang="en-US" dirty="0" smtClean="0"/>
+              <a:t>Egg/Scene/</a:t>
+            </a:r>
+            <a:r>
+              <a:rPr lang="en-US" dirty="0" err="1" smtClean="0"/>
+              <a:t>Entity.h</a:t>
             </a:r>
             <a:r>
               <a:rPr lang="en-US" dirty="0"/>
@@ -2489,7 +1982,7 @@
 </p:sld>
 </file>
 
-<file path=ppt/slides/slide14.xml><?xml version="1.0" encoding="utf-8"?>
+<file path=ppt/slides/slide11.xml><?xml version="1.0" encoding="utf-8"?>
 <p:sld xmlns:a="http://schemas.openxmlformats.org/drawingml/2006/main" xmlns:r="http://schemas.openxmlformats.org/officeDocument/2006/relationships" xmlns:p="http://schemas.openxmlformats.org/presentationml/2006/main">
   <p:cSld>
     <p:spTree>
@@ -2982,8 +2475,30 @@
             </a:r>
             <a:r>
               <a:rPr lang="en-US" dirty="0" smtClean="0"/>
-              <a:t>::Mesh::Material</a:t>
-            </a:r>
+              <a:t>::Mesh::Flip</a:t>
+            </a:r>
+          </a:p>
+          <a:p>
+            <a:r>
+              <a:rPr lang="en-US" dirty="0" smtClean="0"/>
+              <a:t>Egg::Mesh::Multi</a:t>
+            </a:r>
+            <a:endParaRPr lang="hu-HU" dirty="0" smtClean="0"/>
+          </a:p>
+          <a:p>
+            <a:r>
+              <a:rPr lang="hu-HU" dirty="0" smtClean="0"/>
+              <a:t>Egg</a:t>
+            </a:r>
+            <a:r>
+              <a:rPr lang="en-US" dirty="0" smtClean="0"/>
+              <a:t>::Scene::</a:t>
+            </a:r>
+            <a:r>
+              <a:rPr lang="en-US" dirty="0" err="1" smtClean="0"/>
+              <a:t>PerObjectData</a:t>
+            </a:r>
+            <a:endParaRPr lang="en-US" dirty="0" smtClean="0"/>
           </a:p>
           <a:p>
             <a:r>
@@ -2991,16 +2506,37 @@
               <a:t>Egg</a:t>
             </a:r>
             <a:r>
+              <a:rPr lang="en-US" dirty="0"/>
+              <a:t>::Scene</a:t>
+            </a:r>
+            <a:r>
+              <a:rPr lang="en-US" dirty="0" smtClean="0"/>
+              <a:t>::</a:t>
+            </a:r>
+            <a:r>
+              <a:rPr lang="en-US" dirty="0" smtClean="0"/>
+              <a:t>Entity</a:t>
+            </a:r>
+            <a:endParaRPr lang="hu-HU" dirty="0" smtClean="0"/>
+          </a:p>
+          <a:p>
+            <a:pPr lvl="1"/>
+            <a:r>
+              <a:rPr lang="hu-HU" dirty="0" smtClean="0"/>
+              <a:t>Egg</a:t>
+            </a:r>
+            <a:r>
               <a:rPr lang="en-US" dirty="0" smtClean="0"/>
               <a:t>::Scene::</a:t>
             </a:r>
             <a:r>
               <a:rPr lang="en-US" dirty="0" err="1" smtClean="0"/>
-              <a:t>PerObjectData</a:t>
+              <a:t>RigidBody</a:t>
             </a:r>
             <a:endParaRPr lang="en-US" dirty="0" smtClean="0"/>
           </a:p>
           <a:p>
+            <a:pPr lvl="2"/>
             <a:r>
               <a:rPr lang="hu-HU" dirty="0"/>
               <a:t>Egg</a:t>
@@ -3011,27 +2547,37 @@
             </a:r>
             <a:r>
               <a:rPr lang="en-US" dirty="0" smtClean="0"/>
-              <a:t>::Entity</a:t>
-            </a:r>
-          </a:p>
-          <a:p>
-            <a:r>
-              <a:rPr lang="hu-HU" dirty="0"/>
-              <a:t>Egg</a:t>
-            </a:r>
-            <a:r>
-              <a:rPr lang="en-US" dirty="0"/>
-              <a:t>::Scene</a:t>
-            </a:r>
+              <a:t>::</a:t>
+            </a:r>
+            <a:r>
+              <a:rPr lang="en-US" dirty="0" err="1" smtClean="0"/>
+              <a:t>FixedRigidBody</a:t>
+            </a:r>
+            <a:endParaRPr lang="en-US" dirty="0" smtClean="0"/>
+          </a:p>
+          <a:p>
+            <a:pPr lvl="1"/>
             <a:r>
               <a:rPr lang="en-US" dirty="0" smtClean="0"/>
-              <a:t>::</a:t>
+              <a:t>Egg::Scene::</a:t>
             </a:r>
             <a:r>
               <a:rPr lang="en-US" dirty="0" err="1" smtClean="0"/>
-              <a:t>StaticEntity</a:t>
-            </a:r>
-            <a:endParaRPr lang="en-US" dirty="0"/>
+              <a:t>ControlState</a:t>
+            </a:r>
+            <a:endParaRPr lang="en-US" dirty="0" smtClean="0"/>
+          </a:p>
+          <a:p>
+            <a:pPr lvl="1"/>
+            <a:r>
+              <a:rPr lang="en-US" dirty="0" smtClean="0"/>
+              <a:t>Egg::Scene::</a:t>
+            </a:r>
+            <a:r>
+              <a:rPr lang="en-US" dirty="0" err="1" smtClean="0"/>
+              <a:t>ControlParameters</a:t>
+            </a:r>
+            <a:endParaRPr lang="en-US" dirty="0" smtClean="0"/>
           </a:p>
         </p:txBody>
       </p:sp>
@@ -3045,6 +2591,13 @@
   <p:clrMapOvr>
     <a:masterClrMapping/>
   </p:clrMapOvr>
+  <p:timing>
+    <p:tnLst>
+      <p:par>
+        <p:cTn id="1" dur="indefinite" restart="never" nodeType="tmRoot"/>
+      </p:par>
+    </p:tnLst>
+  </p:timing>
 </p:sld>
 </file>
 
@@ -3078,25 +2631,104 @@
         <p:spPr/>
         <p:txBody>
           <a:bodyPr>
-            <a:normAutofit/>
+            <a:normAutofit fontScale="92500" lnSpcReduction="10000"/>
           </a:bodyPr>
           <a:lstStyle/>
           <a:p>
             <a:r>
               <a:rPr lang="en-US" sz="2800" dirty="0"/>
-              <a:t>		material-&gt;</a:t>
+              <a:t>#include &lt;Egg/Mesh/</a:t>
             </a:r>
             <a:r>
               <a:rPr lang="en-US" sz="2800" dirty="0" err="1"/>
-              <a:t>SetSrvHeap</a:t>
+              <a:t>Multi.h</a:t>
+            </a:r>
+            <a:r>
+              <a:rPr lang="en-US" sz="2800" dirty="0" smtClean="0"/>
+              <a:t>&gt;</a:t>
+            </a:r>
+            <a:endParaRPr lang="hu-HU" sz="2800" dirty="0" smtClean="0"/>
+          </a:p>
+          <a:p>
+            <a:endParaRPr lang="hu-HU" sz="2800" dirty="0" smtClean="0"/>
+          </a:p>
+          <a:p>
+            <a:r>
+              <a:rPr lang="hu-HU" sz="2800" dirty="0" smtClean="0"/>
+              <a:t>tagváltozó:</a:t>
+            </a:r>
+          </a:p>
+          <a:p>
+            <a:r>
+              <a:rPr lang="it-IT" sz="2800" dirty="0"/>
+              <a:t>Egg::Mesh::Multi::P multiMesh;</a:t>
+            </a:r>
+          </a:p>
+          <a:p>
+            <a:endParaRPr lang="hu-HU" sz="2800" dirty="0" smtClean="0"/>
+          </a:p>
+          <a:p>
+            <a:r>
+              <a:rPr lang="hu-HU" sz="2800" dirty="0" smtClean="0"/>
+              <a:t>rajzolás:</a:t>
+            </a:r>
+          </a:p>
+          <a:p>
+            <a:r>
+              <a:rPr lang="en-US" sz="2800" dirty="0" err="1"/>
+              <a:t>multiMesh</a:t>
             </a:r>
             <a:r>
               <a:rPr lang="en-US" sz="2800" dirty="0"/>
-              <a:t>(2, </a:t>
+              <a:t>-&gt;Draw(</a:t>
             </a:r>
             <a:r>
               <a:rPr lang="en-US" sz="2800" dirty="0" err="1"/>
-              <a:t>srvHeap</a:t>
+              <a:t>commandList.Get</a:t>
+            </a:r>
+            <a:r>
+              <a:rPr lang="en-US" sz="2800" dirty="0"/>
+              <a:t>(), 0, </a:t>
+            </a:r>
+            <a:r>
+              <a:rPr lang="en-US" sz="2800" dirty="0" smtClean="0"/>
+              <a:t>0);</a:t>
+            </a:r>
+            <a:endParaRPr lang="it-IT" sz="2800" dirty="0"/>
+          </a:p>
+          <a:p>
+            <a:endParaRPr lang="en-US" sz="2800" dirty="0" smtClean="0"/>
+          </a:p>
+          <a:p>
+            <a:r>
+              <a:rPr lang="en-US" sz="2800" dirty="0" err="1" smtClean="0"/>
+              <a:t>LoadAssets</a:t>
+            </a:r>
+            <a:r>
+              <a:rPr lang="en-US" sz="2800" dirty="0" smtClean="0"/>
+              <a:t>:</a:t>
+            </a:r>
+          </a:p>
+          <a:p>
+            <a:r>
+              <a:rPr lang="it-IT" sz="2800" dirty="0"/>
+              <a:t>multiMesh = Egg::Mesh::Multi::Create();</a:t>
+            </a:r>
+          </a:p>
+          <a:p>
+            <a:r>
+              <a:rPr lang="en-US" sz="2800" dirty="0"/>
+              <a:t>auto flip = Egg::Mesh::Flip::Create();</a:t>
+            </a:r>
+          </a:p>
+          <a:p>
+            <a:r>
+              <a:rPr lang="en-US" sz="2800" dirty="0"/>
+              <a:t>flip-&gt;Add(0, </a:t>
+            </a:r>
+            <a:r>
+              <a:rPr lang="en-US" sz="2800" dirty="0" err="1"/>
+              <a:t>shadedMesh</a:t>
             </a:r>
             <a:r>
               <a:rPr lang="en-US" sz="2800" dirty="0"/>
@@ -3105,66 +2737,16 @@
           </a:p>
           <a:p>
             <a:r>
+              <a:rPr lang="en-US" sz="2800" dirty="0" err="1"/>
+              <a:t>multiMesh</a:t>
+            </a:r>
+            <a:r>
               <a:rPr lang="en-US" sz="2800" dirty="0"/>
-              <a:t>		material-&gt;</a:t>
-            </a:r>
-            <a:r>
-              <a:rPr lang="en-US" sz="2800" dirty="0" err="1"/>
-              <a:t>SetConstantBuffer</a:t>
-            </a:r>
-            <a:r>
-              <a:rPr lang="en-US" sz="2800" dirty="0"/>
-              <a:t>(</a:t>
-            </a:r>
-            <a:r>
-              <a:rPr lang="en-US" sz="2800" dirty="0" err="1"/>
-              <a:t>cb</a:t>
-            </a:r>
-            <a:r>
-              <a:rPr lang="en-US" sz="2800" dirty="0"/>
-              <a:t>);</a:t>
-            </a:r>
-          </a:p>
-          <a:p>
-            <a:r>
-              <a:rPr lang="en-US" sz="2800" dirty="0"/>
-              <a:t>		</a:t>
-            </a:r>
-            <a:r>
-              <a:rPr lang="en-US" sz="2800" dirty="0" smtClean="0"/>
-              <a:t>material</a:t>
-            </a:r>
+              <a:t>-&gt;Add(flip);</a:t>
+            </a:r>
+          </a:p>
+          <a:p>
             <a:endParaRPr lang="hu-HU" sz="2800" dirty="0" smtClean="0"/>
-          </a:p>
-          <a:p>
-            <a:r>
-              <a:rPr lang="hu-HU" sz="2800" dirty="0"/>
-              <a:t> </a:t>
-            </a:r>
-            <a:r>
-              <a:rPr lang="hu-HU" sz="2800" dirty="0" smtClean="0"/>
-              <a:t>      </a:t>
-            </a:r>
-            <a:r>
-              <a:rPr lang="en-US" sz="2800" dirty="0" smtClean="0"/>
-              <a:t>-&gt;</a:t>
-            </a:r>
-            <a:r>
-              <a:rPr lang="en-US" sz="2800" dirty="0" err="1"/>
-              <a:t>SetConstantBuffer</a:t>
-            </a:r>
-            <a:r>
-              <a:rPr lang="en-US" sz="2800" dirty="0"/>
-              <a:t>(</a:t>
-            </a:r>
-            <a:r>
-              <a:rPr lang="en-US" sz="2800" dirty="0" err="1"/>
-              <a:t>perFrameCb</a:t>
-            </a:r>
-            <a:r>
-              <a:rPr lang="en-US" sz="2800" dirty="0"/>
-              <a:t>);</a:t>
-            </a:r>
           </a:p>
         </p:txBody>
       </p:sp>
@@ -3173,7 +2755,7 @@
           <p:cNvPr id="6" name="Title 5">
             <a:extLst>
               <a:ext uri="{FF2B5EF4-FFF2-40B4-BE49-F238E27FC236}">
-                <a16:creationId xmlns:a16="http://schemas.microsoft.com/office/drawing/2014/main" xmlns="" id="{13397F04-F22D-49B7-9111-3E764FC17708}"/>
+                <a16:creationId xmlns="" xmlns:a16="http://schemas.microsoft.com/office/drawing/2014/main" id="{13397F04-F22D-49B7-9111-3E764FC17708}"/>
               </a:ext>
             </a:extLst>
           </p:cNvPr>
@@ -3213,13 +2795,20 @@
     </p:spTree>
     <p:extLst>
       <p:ext uri="{BB962C8B-B14F-4D97-AF65-F5344CB8AC3E}">
-        <p14:creationId xmlns:p14="http://schemas.microsoft.com/office/powerpoint/2010/main" val="1479894720"/>
+        <p14:creationId xmlns:p14="http://schemas.microsoft.com/office/powerpoint/2010/main" val="1169106867"/>
       </p:ext>
     </p:extLst>
   </p:cSld>
   <p:clrMapOvr>
     <a:masterClrMapping/>
   </p:clrMapOvr>
+  <p:timing>
+    <p:tnLst>
+      <p:par>
+        <p:cTn id="1" dur="indefinite" restart="never" nodeType="tmRoot"/>
+      </p:par>
+    </p:tnLst>
+  </p:timing>
 </p:sld>
 </file>
 
@@ -3242,376 +2831,87 @@
       </p:grpSpPr>
       <p:sp>
         <p:nvSpPr>
-          <p:cNvPr id="3" name="Szöveg helye 2"/>
+          <p:cNvPr id="4" name="Title 3"/>
           <p:cNvSpPr>
             <a:spLocks noGrp="1"/>
           </p:cNvSpPr>
           <p:nvPr>
-            <p:ph type="body" sz="quarter" idx="13"/>
+            <p:ph type="title"/>
           </p:nvPr>
         </p:nvSpPr>
         <p:spPr/>
-        <p:txBody>
-          <a:bodyPr>
-            <a:normAutofit/>
-          </a:bodyPr>
-          <a:lstStyle/>
-          <a:p>
-            <a:r>
-              <a:rPr lang="en-US" sz="2400" strike="sngStrike" dirty="0">
-                <a:solidFill>
-                  <a:srgbClr val="FF0000"/>
-                </a:solidFill>
-              </a:rPr>
-              <a:t>//</a:t>
-            </a:r>
-            <a:r>
-              <a:rPr lang="en-US" sz="2400" strike="sngStrike" dirty="0" err="1">
-                <a:solidFill>
-                  <a:srgbClr val="FF0000"/>
-                </a:solidFill>
-              </a:rPr>
-              <a:t>shadedMesh</a:t>
-            </a:r>
-            <a:r>
-              <a:rPr lang="en-US" sz="2400" strike="sngStrike" dirty="0">
-                <a:solidFill>
-                  <a:srgbClr val="FF0000"/>
-                </a:solidFill>
-              </a:rPr>
-              <a:t>-&gt;</a:t>
-            </a:r>
-            <a:r>
-              <a:rPr lang="en-US" sz="2400" strike="sngStrike" dirty="0" err="1">
-                <a:solidFill>
-                  <a:srgbClr val="FF0000"/>
-                </a:solidFill>
-              </a:rPr>
-              <a:t>SetPipelineState</a:t>
-            </a:r>
-            <a:r>
-              <a:rPr lang="en-US" sz="2400" strike="sngStrike" dirty="0">
-                <a:solidFill>
-                  <a:srgbClr val="FF0000"/>
-                </a:solidFill>
-              </a:rPr>
-              <a:t>(</a:t>
-            </a:r>
-            <a:r>
-              <a:rPr lang="en-US" sz="2400" strike="sngStrike" dirty="0" err="1">
-                <a:solidFill>
-                  <a:srgbClr val="FF0000"/>
-                </a:solidFill>
-              </a:rPr>
-              <a:t>commandList.Get</a:t>
-            </a:r>
-            <a:r>
-              <a:rPr lang="en-US" sz="2400" strike="sngStrike" dirty="0">
-                <a:solidFill>
-                  <a:srgbClr val="FF0000"/>
-                </a:solidFill>
-              </a:rPr>
-              <a:t>());</a:t>
-            </a:r>
-          </a:p>
-          <a:p>
-            <a:r>
-              <a:rPr lang="en-US" sz="2400" strike="sngStrike" dirty="0">
-                <a:solidFill>
-                  <a:srgbClr val="FF0000"/>
-                </a:solidFill>
-              </a:rPr>
-              <a:t>//</a:t>
-            </a:r>
-            <a:r>
-              <a:rPr lang="en-US" sz="2400" strike="sngStrike" dirty="0" err="1">
-                <a:solidFill>
-                  <a:srgbClr val="FF0000"/>
-                </a:solidFill>
-              </a:rPr>
-              <a:t>shadedMesh</a:t>
-            </a:r>
-            <a:r>
-              <a:rPr lang="en-US" sz="2400" strike="sngStrike" dirty="0">
-                <a:solidFill>
-                  <a:srgbClr val="FF0000"/>
-                </a:solidFill>
-              </a:rPr>
-              <a:t>-&gt;</a:t>
-            </a:r>
-            <a:r>
-              <a:rPr lang="en-US" sz="2400" strike="sngStrike" dirty="0" err="1">
-                <a:solidFill>
-                  <a:srgbClr val="FF0000"/>
-                </a:solidFill>
-              </a:rPr>
-              <a:t>BindConstantBuffer</a:t>
-            </a:r>
-            <a:r>
-              <a:rPr lang="en-US" sz="2400" strike="sngStrike" dirty="0">
-                <a:solidFill>
-                  <a:srgbClr val="FF0000"/>
-                </a:solidFill>
-              </a:rPr>
-              <a:t>(</a:t>
-            </a:r>
-            <a:r>
-              <a:rPr lang="en-US" sz="2400" strike="sngStrike" dirty="0" err="1">
-                <a:solidFill>
-                  <a:srgbClr val="FF0000"/>
-                </a:solidFill>
-              </a:rPr>
-              <a:t>commandList.Get</a:t>
-            </a:r>
-            <a:r>
-              <a:rPr lang="en-US" sz="2400" strike="sngStrike" dirty="0">
-                <a:solidFill>
-                  <a:srgbClr val="FF0000"/>
-                </a:solidFill>
-              </a:rPr>
-              <a:t>(), </a:t>
-            </a:r>
-            <a:r>
-              <a:rPr lang="en-US" sz="2400" strike="sngStrike" dirty="0" err="1">
-                <a:solidFill>
-                  <a:srgbClr val="FF0000"/>
-                </a:solidFill>
-              </a:rPr>
-              <a:t>cb</a:t>
-            </a:r>
-            <a:r>
-              <a:rPr lang="en-US" sz="2400" strike="sngStrike" dirty="0">
-                <a:solidFill>
-                  <a:srgbClr val="FF0000"/>
-                </a:solidFill>
-              </a:rPr>
-              <a:t>);</a:t>
-            </a:r>
-          </a:p>
-          <a:p>
-            <a:r>
-              <a:rPr lang="en-US" sz="2400" strike="sngStrike" dirty="0">
-                <a:solidFill>
-                  <a:srgbClr val="FF0000"/>
-                </a:solidFill>
-              </a:rPr>
-              <a:t>//</a:t>
-            </a:r>
-            <a:r>
-              <a:rPr lang="en-US" sz="2400" strike="sngStrike" dirty="0" err="1">
-                <a:solidFill>
-                  <a:srgbClr val="FF0000"/>
-                </a:solidFill>
-              </a:rPr>
-              <a:t>shadedMesh</a:t>
-            </a:r>
-            <a:r>
-              <a:rPr lang="en-US" sz="2400" strike="sngStrike" dirty="0">
-                <a:solidFill>
-                  <a:srgbClr val="FF0000"/>
-                </a:solidFill>
-              </a:rPr>
-              <a:t>-&gt;</a:t>
-            </a:r>
-            <a:r>
-              <a:rPr lang="en-US" sz="2400" strike="sngStrike" dirty="0" err="1">
-                <a:solidFill>
-                  <a:srgbClr val="FF0000"/>
-                </a:solidFill>
-              </a:rPr>
-              <a:t>BindConstantBuffer</a:t>
-            </a:r>
-            <a:r>
-              <a:rPr lang="en-US" sz="2400" strike="sngStrike" dirty="0">
-                <a:solidFill>
-                  <a:srgbClr val="FF0000"/>
-                </a:solidFill>
-              </a:rPr>
-              <a:t>(</a:t>
-            </a:r>
-            <a:r>
-              <a:rPr lang="en-US" sz="2400" strike="sngStrike" dirty="0" err="1">
-                <a:solidFill>
-                  <a:srgbClr val="FF0000"/>
-                </a:solidFill>
-              </a:rPr>
-              <a:t>commandList.Get</a:t>
-            </a:r>
-            <a:r>
-              <a:rPr lang="en-US" sz="2400" strike="sngStrike" dirty="0">
-                <a:solidFill>
-                  <a:srgbClr val="FF0000"/>
-                </a:solidFill>
-              </a:rPr>
-              <a:t>(), </a:t>
-            </a:r>
-            <a:r>
-              <a:rPr lang="en-US" sz="2400" strike="sngStrike" dirty="0" err="1">
-                <a:solidFill>
-                  <a:srgbClr val="FF0000"/>
-                </a:solidFill>
-              </a:rPr>
-              <a:t>perFrameCb</a:t>
-            </a:r>
-            <a:r>
-              <a:rPr lang="en-US" sz="2400" strike="sngStrike" dirty="0">
-                <a:solidFill>
-                  <a:srgbClr val="FF0000"/>
-                </a:solidFill>
-              </a:rPr>
-              <a:t>);</a:t>
-            </a:r>
-          </a:p>
-          <a:p>
-            <a:r>
-              <a:rPr lang="en-US" sz="2400" strike="sngStrike" dirty="0">
-                <a:solidFill>
-                  <a:srgbClr val="FF0000"/>
-                </a:solidFill>
-              </a:rPr>
-              <a:t>//</a:t>
-            </a:r>
-            <a:r>
-              <a:rPr lang="en-US" sz="2400" strike="sngStrike" dirty="0" err="1">
-                <a:solidFill>
-                  <a:srgbClr val="FF0000"/>
-                </a:solidFill>
-              </a:rPr>
-              <a:t>commandList</a:t>
-            </a:r>
-            <a:r>
-              <a:rPr lang="en-US" sz="2400" strike="sngStrike" dirty="0">
-                <a:solidFill>
-                  <a:srgbClr val="FF0000"/>
-                </a:solidFill>
-              </a:rPr>
-              <a:t>-&gt;</a:t>
-            </a:r>
-            <a:r>
-              <a:rPr lang="en-US" sz="2400" strike="sngStrike" dirty="0" err="1">
-                <a:solidFill>
-                  <a:srgbClr val="FF0000"/>
-                </a:solidFill>
-              </a:rPr>
-              <a:t>SetGraphicsRootDescriptorTable</a:t>
-            </a:r>
-            <a:r>
-              <a:rPr lang="en-US" sz="2400" strike="sngStrike" dirty="0">
-                <a:solidFill>
-                  <a:srgbClr val="FF0000"/>
-                </a:solidFill>
-              </a:rPr>
-              <a:t>(2, </a:t>
-            </a:r>
-            <a:r>
-              <a:rPr lang="en-US" sz="2400" strike="sngStrike" dirty="0" err="1">
-                <a:solidFill>
-                  <a:srgbClr val="FF0000"/>
-                </a:solidFill>
-              </a:rPr>
-              <a:t>srvHeap</a:t>
-            </a:r>
-            <a:r>
-              <a:rPr lang="en-US" sz="2400" strike="sngStrike" dirty="0">
-                <a:solidFill>
-                  <a:srgbClr val="FF0000"/>
-                </a:solidFill>
-              </a:rPr>
-              <a:t>-&gt;</a:t>
-            </a:r>
-            <a:r>
-              <a:rPr lang="en-US" sz="2400" strike="sngStrike" dirty="0" err="1">
-                <a:solidFill>
-                  <a:srgbClr val="FF0000"/>
-                </a:solidFill>
-              </a:rPr>
-              <a:t>GetGPUDescriptorHandleForHeapStart</a:t>
-            </a:r>
-            <a:r>
-              <a:rPr lang="en-US" sz="2400" strike="sngStrike" dirty="0">
-                <a:solidFill>
-                  <a:srgbClr val="FF0000"/>
-                </a:solidFill>
-              </a:rPr>
-              <a:t>());</a:t>
-            </a:r>
-          </a:p>
-          <a:p>
-            <a:r>
-              <a:rPr lang="en-US" sz="2400" dirty="0" err="1" smtClean="0"/>
-              <a:t>shadedMesh</a:t>
-            </a:r>
-            <a:r>
-              <a:rPr lang="en-US" sz="2400" dirty="0" smtClean="0"/>
-              <a:t>-</a:t>
-            </a:r>
-            <a:r>
-              <a:rPr lang="en-US" sz="2400" dirty="0"/>
-              <a:t>&gt;Draw(</a:t>
-            </a:r>
-            <a:r>
-              <a:rPr lang="en-US" sz="2400" dirty="0" err="1"/>
-              <a:t>commandList.Get</a:t>
-            </a:r>
-            <a:r>
-              <a:rPr lang="en-US" sz="2400" dirty="0"/>
-              <a:t>());</a:t>
-            </a:r>
-          </a:p>
-        </p:txBody>
-      </p:sp>
-      <p:sp>
-        <p:nvSpPr>
-          <p:cNvPr id="6" name="Title 5">
-            <a:extLst>
-              <a:ext uri="{FF2B5EF4-FFF2-40B4-BE49-F238E27FC236}">
-                <a16:creationId xmlns:a16="http://schemas.microsoft.com/office/drawing/2014/main" xmlns="" id="{13397F04-F22D-49B7-9111-3E764FC17708}"/>
-              </a:ext>
-            </a:extLst>
-          </p:cNvPr>
-          <p:cNvSpPr>
-            <a:spLocks noGrp="1"/>
-          </p:cNvSpPr>
-          <p:nvPr>
-            <p:ph type="title"/>
-          </p:nvPr>
-        </p:nvSpPr>
-        <p:spPr>
-          <a:xfrm>
-            <a:off x="152400" y="76200"/>
-            <a:ext cx="8839200" cy="685800"/>
-          </a:xfrm>
-        </p:spPr>
         <p:txBody>
           <a:bodyPr/>
           <a:lstStyle/>
           <a:p>
             <a:r>
-              <a:rPr lang="en-US" sz="4000" dirty="0" smtClean="0"/>
-              <a:t>ggl0</a:t>
-            </a:r>
-            <a:r>
-              <a:rPr lang="hu-HU" sz="4000" dirty="0" smtClean="0"/>
-              <a:t>10</a:t>
-            </a:r>
-            <a:r>
-              <a:rPr lang="en-US" sz="4000" dirty="0" smtClean="0"/>
-              <a:t>App</a:t>
-            </a:r>
-            <a:endParaRPr lang="hu-HU" sz="4000" dirty="0"/>
+              <a:rPr lang="en-US" dirty="0" err="1" smtClean="0"/>
+              <a:t>Feladat</a:t>
+            </a:r>
+            <a:endParaRPr lang="en-US" dirty="0"/>
+          </a:p>
+        </p:txBody>
+      </p:sp>
+      <p:sp>
+        <p:nvSpPr>
+          <p:cNvPr id="5" name="Content Placeholder 4"/>
+          <p:cNvSpPr>
+            <a:spLocks noGrp="1"/>
+          </p:cNvSpPr>
+          <p:nvPr>
+            <p:ph idx="1"/>
+          </p:nvPr>
+        </p:nvSpPr>
+        <p:spPr/>
+        <p:txBody>
+          <a:bodyPr/>
+          <a:lstStyle/>
+          <a:p>
+            <a:r>
+              <a:rPr lang="en-US" dirty="0" smtClean="0"/>
+              <a:t>100 </a:t>
+            </a:r>
+            <a:r>
+              <a:rPr lang="en-US" dirty="0" err="1" smtClean="0"/>
+              <a:t>zsir</a:t>
+            </a:r>
+            <a:r>
+              <a:rPr lang="hu-HU" dirty="0" smtClean="0"/>
+              <a:t>áf</a:t>
+            </a:r>
+          </a:p>
+          <a:p>
+            <a:r>
+              <a:rPr lang="hu-HU" dirty="0" smtClean="0"/>
+              <a:t>egy konstansbufferrel</a:t>
+            </a:r>
+          </a:p>
+          <a:p>
+            <a:r>
+              <a:rPr lang="hu-HU" dirty="0" smtClean="0"/>
+              <a:t>egy MultiMesh-et százszor rajzolva</a:t>
+            </a:r>
+            <a:endParaRPr lang="en-US" dirty="0"/>
           </a:p>
         </p:txBody>
       </p:sp>
     </p:spTree>
     <p:extLst>
       <p:ext uri="{BB962C8B-B14F-4D97-AF65-F5344CB8AC3E}">
-        <p14:creationId xmlns:p14="http://schemas.microsoft.com/office/powerpoint/2010/main" val="3714805170"/>
+        <p14:creationId xmlns:p14="http://schemas.microsoft.com/office/powerpoint/2010/main" val="540934290"/>
       </p:ext>
     </p:extLst>
   </p:cSld>
   <p:clrMapOvr>
     <a:masterClrMapping/>
   </p:clrMapOvr>
+  <p:timing>
+    <p:tnLst>
+      <p:par>
+        <p:cTn id="1" dur="indefinite" restart="never" nodeType="tmRoot"/>
+      </p:par>
+    </p:tnLst>
+  </p:timing>
 </p:sld>
 </file>
 
@@ -3634,80 +2934,277 @@
       </p:grpSpPr>
       <p:sp>
         <p:nvSpPr>
-          <p:cNvPr id="4" name="Title 3"/>
+          <p:cNvPr id="3" name="Szöveg helye 2"/>
           <p:cNvSpPr>
             <a:spLocks noGrp="1"/>
           </p:cNvSpPr>
           <p:nvPr>
+            <p:ph type="body" sz="quarter" idx="13"/>
+          </p:nvPr>
+        </p:nvSpPr>
+        <p:spPr/>
+        <p:txBody>
+          <a:bodyPr>
+            <a:normAutofit/>
+          </a:bodyPr>
+          <a:lstStyle/>
+          <a:p>
+            <a:r>
+              <a:rPr lang="en-US" sz="2800" dirty="0"/>
+              <a:t>#include &lt;Egg/Scene/</a:t>
+            </a:r>
+            <a:r>
+              <a:rPr lang="en-US" sz="2800" dirty="0" err="1"/>
+              <a:t>PerObjectData.h</a:t>
+            </a:r>
+            <a:r>
+              <a:rPr lang="en-US" sz="2800" dirty="0" smtClean="0"/>
+              <a:t>&gt;</a:t>
+            </a:r>
+            <a:endParaRPr lang="hu-HU" sz="2800" dirty="0" smtClean="0"/>
+          </a:p>
+          <a:p>
+            <a:endParaRPr lang="hu-HU" sz="2800" dirty="0"/>
+          </a:p>
+          <a:p>
+            <a:r>
+              <a:rPr lang="en-US" sz="2800" strike="sngStrike" dirty="0">
+                <a:solidFill>
+                  <a:srgbClr val="FF0000"/>
+                </a:solidFill>
+              </a:rPr>
+              <a:t>//__</a:t>
+            </a:r>
+            <a:r>
+              <a:rPr lang="en-US" sz="2800" strike="sngStrike" dirty="0" err="1">
+                <a:solidFill>
+                  <a:srgbClr val="FF0000"/>
+                </a:solidFill>
+              </a:rPr>
+              <a:t>declspec</a:t>
+            </a:r>
+            <a:r>
+              <a:rPr lang="en-US" sz="2800" strike="sngStrike" dirty="0">
+                <a:solidFill>
+                  <a:srgbClr val="FF0000"/>
+                </a:solidFill>
+              </a:rPr>
+              <a:t>(align(16)) </a:t>
+            </a:r>
+            <a:r>
+              <a:rPr lang="en-US" sz="2800" strike="sngStrike" dirty="0" err="1">
+                <a:solidFill>
+                  <a:srgbClr val="FF0000"/>
+                </a:solidFill>
+              </a:rPr>
+              <a:t>struct</a:t>
+            </a:r>
+            <a:r>
+              <a:rPr lang="en-US" sz="2800" strike="sngStrike" dirty="0">
+                <a:solidFill>
+                  <a:srgbClr val="FF0000"/>
+                </a:solidFill>
+              </a:rPr>
+              <a:t> </a:t>
+            </a:r>
+            <a:r>
+              <a:rPr lang="en-US" sz="2800" strike="sngStrike" dirty="0" err="1">
+                <a:solidFill>
+                  <a:srgbClr val="FF0000"/>
+                </a:solidFill>
+              </a:rPr>
+              <a:t>PerObjectCb</a:t>
+            </a:r>
+            <a:r>
+              <a:rPr lang="en-US" sz="2800" strike="sngStrike" dirty="0">
+                <a:solidFill>
+                  <a:srgbClr val="FF0000"/>
+                </a:solidFill>
+              </a:rPr>
+              <a:t> {</a:t>
+            </a:r>
+          </a:p>
+          <a:p>
+            <a:r>
+              <a:rPr lang="en-US" sz="2800" strike="sngStrike" dirty="0" smtClean="0">
+                <a:solidFill>
+                  <a:srgbClr val="FF0000"/>
+                </a:solidFill>
+              </a:rPr>
+              <a:t>//</a:t>
+            </a:r>
+            <a:r>
+              <a:rPr lang="en-US" sz="2800" strike="sngStrike" dirty="0">
+                <a:solidFill>
+                  <a:srgbClr val="FF0000"/>
+                </a:solidFill>
+              </a:rPr>
+              <a:t>Float4x4 </a:t>
+            </a:r>
+            <a:r>
+              <a:rPr lang="en-US" sz="2800" strike="sngStrike" dirty="0" err="1">
+                <a:solidFill>
+                  <a:srgbClr val="FF0000"/>
+                </a:solidFill>
+              </a:rPr>
+              <a:t>modelTransform</a:t>
+            </a:r>
+            <a:r>
+              <a:rPr lang="en-US" sz="2800" strike="sngStrike" dirty="0">
+                <a:solidFill>
+                  <a:srgbClr val="FF0000"/>
+                </a:solidFill>
+              </a:rPr>
+              <a:t>;</a:t>
+            </a:r>
+          </a:p>
+          <a:p>
+            <a:r>
+              <a:rPr lang="en-US" sz="2800" strike="sngStrike" dirty="0">
+                <a:solidFill>
+                  <a:srgbClr val="FF0000"/>
+                </a:solidFill>
+              </a:rPr>
+              <a:t>//Float4x4 </a:t>
+            </a:r>
+            <a:r>
+              <a:rPr lang="en-US" sz="2800" strike="sngStrike" dirty="0" err="1">
+                <a:solidFill>
+                  <a:srgbClr val="FF0000"/>
+                </a:solidFill>
+              </a:rPr>
+              <a:t>modelTransformInverse</a:t>
+            </a:r>
+            <a:r>
+              <a:rPr lang="en-US" sz="2800" strike="sngStrike" dirty="0">
+                <a:solidFill>
+                  <a:srgbClr val="FF0000"/>
+                </a:solidFill>
+              </a:rPr>
+              <a:t>;</a:t>
+            </a:r>
+          </a:p>
+          <a:p>
+            <a:r>
+              <a:rPr lang="en-US" sz="2800" strike="sngStrike" dirty="0" smtClean="0">
+                <a:solidFill>
+                  <a:srgbClr val="FF0000"/>
+                </a:solidFill>
+              </a:rPr>
+              <a:t>//};</a:t>
+            </a:r>
+            <a:endParaRPr lang="en-US" sz="2800" strike="sngStrike" dirty="0">
+              <a:solidFill>
+                <a:srgbClr val="FF0000"/>
+              </a:solidFill>
+            </a:endParaRPr>
+          </a:p>
+          <a:p>
+            <a:r>
+              <a:rPr lang="en-US" sz="2800" dirty="0"/>
+              <a:t>__</a:t>
+            </a:r>
+            <a:r>
+              <a:rPr lang="en-US" sz="2800" dirty="0" err="1"/>
+              <a:t>declspec</a:t>
+            </a:r>
+            <a:r>
+              <a:rPr lang="en-US" sz="2800" dirty="0"/>
+              <a:t>(align(16)) </a:t>
+            </a:r>
+            <a:r>
+              <a:rPr lang="en-US" sz="2800" dirty="0" err="1"/>
+              <a:t>struct</a:t>
+            </a:r>
+            <a:r>
+              <a:rPr lang="en-US" sz="2800" dirty="0"/>
+              <a:t> </a:t>
+            </a:r>
+            <a:r>
+              <a:rPr lang="en-US" sz="2800" dirty="0" err="1"/>
+              <a:t>PerObjectCb</a:t>
+            </a:r>
+            <a:r>
+              <a:rPr lang="en-US" sz="2800" dirty="0"/>
+              <a:t> {</a:t>
+            </a:r>
+          </a:p>
+          <a:p>
+            <a:r>
+              <a:rPr lang="en-US" sz="2800" dirty="0"/>
+              <a:t>Egg::Scene::</a:t>
+            </a:r>
+            <a:r>
+              <a:rPr lang="en-US" sz="2800" dirty="0" err="1"/>
+              <a:t>PerObjectData</a:t>
+            </a:r>
+            <a:r>
+              <a:rPr lang="en-US" sz="2800" dirty="0"/>
+              <a:t> objects[1024];</a:t>
+            </a:r>
+          </a:p>
+          <a:p>
+            <a:r>
+              <a:rPr lang="en-US" sz="2800" dirty="0"/>
+              <a:t>};</a:t>
+            </a:r>
+          </a:p>
+          <a:p>
+            <a:endParaRPr lang="en-US" sz="2800" dirty="0"/>
+          </a:p>
+        </p:txBody>
+      </p:sp>
+      <p:sp>
+        <p:nvSpPr>
+          <p:cNvPr id="6" name="Title 5">
+            <a:extLst>
+              <a:ext uri="{FF2B5EF4-FFF2-40B4-BE49-F238E27FC236}">
+                <a16:creationId xmlns="" xmlns:a16="http://schemas.microsoft.com/office/drawing/2014/main" id="{13397F04-F22D-49B7-9111-3E764FC17708}"/>
+              </a:ext>
+            </a:extLst>
+          </p:cNvPr>
+          <p:cNvSpPr>
+            <a:spLocks noGrp="1"/>
+          </p:cNvSpPr>
+          <p:nvPr>
             <p:ph type="title"/>
           </p:nvPr>
         </p:nvSpPr>
-        <p:spPr/>
+        <p:spPr>
+          <a:xfrm>
+            <a:off x="152400" y="76200"/>
+            <a:ext cx="8839200" cy="685800"/>
+          </a:xfrm>
+        </p:spPr>
         <p:txBody>
           <a:bodyPr/>
           <a:lstStyle/>
           <a:p>
             <a:r>
-              <a:rPr lang="en-US" dirty="0" smtClean="0"/>
-              <a:t>V</a:t>
-            </a:r>
-            <a:r>
-              <a:rPr lang="hu-HU" dirty="0" smtClean="0"/>
-              <a:t>árt eredmény</a:t>
-            </a:r>
-            <a:endParaRPr lang="en-US" dirty="0"/>
-          </a:p>
-        </p:txBody>
-      </p:sp>
-      <p:sp>
-        <p:nvSpPr>
-          <p:cNvPr id="5" name="Content Placeholder 4"/>
-          <p:cNvSpPr>
-            <a:spLocks noGrp="1"/>
-          </p:cNvSpPr>
-          <p:nvPr>
-            <p:ph idx="1"/>
-          </p:nvPr>
-        </p:nvSpPr>
-        <p:spPr/>
-        <p:txBody>
-          <a:bodyPr/>
-          <a:lstStyle/>
-          <a:p>
-            <a:r>
-              <a:rPr lang="hu-HU" dirty="0" smtClean="0"/>
-              <a:t>ugyanúgy működik</a:t>
-            </a:r>
-          </a:p>
-          <a:p>
-            <a:endParaRPr lang="hu-HU" dirty="0"/>
-          </a:p>
-          <a:p>
-            <a:r>
-              <a:rPr lang="hu-HU" dirty="0" smtClean="0"/>
-              <a:t>feladat:</a:t>
-            </a:r>
-          </a:p>
-          <a:p>
-            <a:pPr lvl="1"/>
-            <a:r>
-              <a:rPr lang="hu-HU" dirty="0" smtClean="0"/>
-              <a:t>a háttérre és a plakátokra is egyszerűsítsünk</a:t>
-            </a:r>
-            <a:endParaRPr lang="en-US" dirty="0"/>
+              <a:rPr lang="hu-HU" sz="4000" dirty="0" smtClean="0"/>
+              <a:t>ConstantBufferTypes</a:t>
+            </a:r>
+            <a:endParaRPr lang="hu-HU" sz="4000" dirty="0"/>
           </a:p>
         </p:txBody>
       </p:sp>
     </p:spTree>
     <p:extLst>
       <p:ext uri="{BB962C8B-B14F-4D97-AF65-F5344CB8AC3E}">
-        <p14:creationId xmlns:p14="http://schemas.microsoft.com/office/powerpoint/2010/main" val="1075523227"/>
+        <p14:creationId xmlns:p14="http://schemas.microsoft.com/office/powerpoint/2010/main" val="3723025871"/>
       </p:ext>
     </p:extLst>
   </p:cSld>
   <p:clrMapOvr>
     <a:masterClrMapping/>
   </p:clrMapOvr>
+  <p:timing>
+    <p:tnLst>
+      <p:par>
+        <p:cTn id="1" dur="indefinite" restart="never" nodeType="tmRoot"/>
+      </p:par>
+    </p:tnLst>
+  </p:timing>
 </p:sld>
 </file>
 
@@ -3730,7 +3227,30 @@
       </p:grpSpPr>
       <p:sp>
         <p:nvSpPr>
-          <p:cNvPr id="3" name="Szöveg helye 2"/>
+          <p:cNvPr id="2" name="Title 1"/>
+          <p:cNvSpPr>
+            <a:spLocks noGrp="1"/>
+          </p:cNvSpPr>
+          <p:nvPr>
+            <p:ph type="title"/>
+          </p:nvPr>
+        </p:nvSpPr>
+        <p:spPr/>
+        <p:txBody>
+          <a:bodyPr/>
+          <a:lstStyle/>
+          <a:p>
+            <a:r>
+              <a:rPr lang="hu-HU" dirty="0" smtClean="0"/>
+              <a:t>Update</a:t>
+            </a:r>
+            <a:endParaRPr lang="en-US" dirty="0"/>
+          </a:p>
+        </p:txBody>
+      </p:sp>
+      <p:sp>
+        <p:nvSpPr>
+          <p:cNvPr id="3" name="Text Placeholder 2"/>
           <p:cNvSpPr>
             <a:spLocks noGrp="1"/>
           </p:cNvSpPr>
@@ -3741,171 +3261,209 @@
         <p:spPr/>
         <p:txBody>
           <a:bodyPr>
-            <a:normAutofit fontScale="92500" lnSpcReduction="10000"/>
+            <a:normAutofit/>
           </a:bodyPr>
           <a:lstStyle/>
           <a:p>
             <a:r>
+              <a:rPr lang="nn-NO" sz="2800" dirty="0" smtClean="0"/>
+              <a:t>for </a:t>
+            </a:r>
+            <a:r>
+              <a:rPr lang="nn-NO" sz="2800" dirty="0"/>
+              <a:t>(int i = 0; i &lt; 100; i++) {</a:t>
+            </a:r>
+          </a:p>
+          <a:p>
+            <a:r>
+              <a:rPr lang="en-US" sz="2800" dirty="0" smtClean="0"/>
+              <a:t>  </a:t>
+            </a:r>
+            <a:r>
+              <a:rPr lang="en-US" sz="2800" dirty="0" err="1" smtClean="0"/>
+              <a:t>cb</a:t>
+            </a:r>
+            <a:r>
+              <a:rPr lang="en-US" sz="2800" dirty="0" smtClean="0"/>
+              <a:t>-</a:t>
+            </a:r>
+            <a:r>
               <a:rPr lang="en-US" sz="2800" dirty="0"/>
-              <a:t>#include &lt;Egg/Mesh/</a:t>
+              <a:t>&gt;objects[</a:t>
             </a:r>
             <a:r>
               <a:rPr lang="en-US" sz="2800" dirty="0" err="1"/>
-              <a:t>Multi.h</a:t>
+              <a:t>i</a:t>
+            </a:r>
+            <a:r>
+              <a:rPr lang="en-US" sz="2800" dirty="0"/>
+              <a:t>].</a:t>
+            </a:r>
+            <a:r>
+              <a:rPr lang="en-US" sz="2800" dirty="0" err="1"/>
+              <a:t>modelTransform</a:t>
+            </a:r>
+            <a:r>
+              <a:rPr lang="en-US" sz="2800" dirty="0"/>
+              <a:t> </a:t>
             </a:r>
             <a:r>
               <a:rPr lang="en-US" sz="2800" dirty="0" smtClean="0"/>
-              <a:t>&gt;</a:t>
-            </a:r>
-            <a:endParaRPr lang="hu-HU" sz="2800" dirty="0" smtClean="0"/>
-          </a:p>
-          <a:p>
-            <a:endParaRPr lang="hu-HU" sz="2800" dirty="0" smtClean="0"/>
-          </a:p>
-          <a:p>
-            <a:r>
-              <a:rPr lang="hu-HU" sz="2800" dirty="0" smtClean="0"/>
-              <a:t>tagváltozó:</a:t>
-            </a:r>
-          </a:p>
-          <a:p>
-            <a:r>
-              <a:rPr lang="it-IT" sz="2800" dirty="0"/>
-              <a:t>Egg::Mesh::Multi::P multiMesh;</a:t>
-            </a:r>
-          </a:p>
-          <a:p>
-            <a:endParaRPr lang="hu-HU" sz="2800" dirty="0" smtClean="0"/>
-          </a:p>
-          <a:p>
-            <a:r>
-              <a:rPr lang="hu-HU" sz="2800" dirty="0" smtClean="0"/>
-              <a:t>rajzolás:</a:t>
-            </a:r>
-          </a:p>
-          <a:p>
+              <a:t>=</a:t>
+            </a:r>
+          </a:p>
+          <a:p>
+            <a:r>
+              <a:rPr lang="en-US" sz="2800" dirty="0"/>
+              <a:t> </a:t>
+            </a:r>
+            <a:r>
+              <a:rPr lang="en-US" sz="2800" dirty="0" smtClean="0"/>
+              <a:t>   Float4x4</a:t>
+            </a:r>
+            <a:r>
+              <a:rPr lang="en-US" sz="2800" dirty="0"/>
+              <a:t>::Translation</a:t>
+            </a:r>
+            <a:r>
+              <a:rPr lang="en-US" sz="2800" dirty="0" smtClean="0"/>
+              <a:t>(</a:t>
+            </a:r>
+          </a:p>
+          <a:p>
+            <a:r>
+              <a:rPr lang="en-US" sz="2800" dirty="0" smtClean="0"/>
+              <a:t>      Float3</a:t>
+            </a:r>
+            <a:r>
+              <a:rPr lang="en-US" sz="2800" dirty="0"/>
+              <a:t>{ -(float)</a:t>
+            </a:r>
             <a:r>
               <a:rPr lang="en-US" sz="2800" dirty="0" err="1"/>
-              <a:t>multiMesh</a:t>
+              <a:t>i</a:t>
             </a:r>
             <a:r>
               <a:rPr lang="en-US" sz="2800" dirty="0"/>
-              <a:t>-&gt;Draw(</a:t>
+              <a:t>, 0.0f, -0.5f </a:t>
+            </a:r>
+            <a:r>
+              <a:rPr lang="en-US" sz="2800" dirty="0" smtClean="0"/>
+              <a:t>})</a:t>
+            </a:r>
+          </a:p>
+          <a:p>
+            <a:r>
+              <a:rPr lang="en-US" sz="2800" dirty="0" smtClean="0"/>
+              <a:t>    * rotation *</a:t>
+            </a:r>
+          </a:p>
+          <a:p>
+            <a:r>
+              <a:rPr lang="en-US" sz="2800" dirty="0"/>
+              <a:t> </a:t>
+            </a:r>
+            <a:r>
+              <a:rPr lang="en-US" sz="2800" dirty="0" smtClean="0"/>
+              <a:t>   Float4x4</a:t>
+            </a:r>
+            <a:r>
+              <a:rPr lang="en-US" sz="2800" dirty="0"/>
+              <a:t>::Translation</a:t>
+            </a:r>
+            <a:r>
+              <a:rPr lang="en-US" sz="2800" dirty="0" smtClean="0"/>
+              <a:t>(</a:t>
+            </a:r>
+          </a:p>
+          <a:p>
+            <a:r>
+              <a:rPr lang="en-US" sz="2800" dirty="0"/>
+              <a:t> </a:t>
+            </a:r>
+            <a:r>
+              <a:rPr lang="en-US" sz="2800" dirty="0" smtClean="0"/>
+              <a:t>     Float3</a:t>
+            </a:r>
+            <a:r>
+              <a:rPr lang="en-US" sz="2800" dirty="0"/>
+              <a:t>{ (float)</a:t>
             </a:r>
             <a:r>
               <a:rPr lang="en-US" sz="2800" dirty="0" err="1"/>
-              <a:t>commandList.Get</a:t>
+              <a:t>i</a:t>
             </a:r>
             <a:r>
               <a:rPr lang="en-US" sz="2800" dirty="0"/>
-              <a:t>(), 0, </a:t>
-            </a:r>
+              <a:t>, 0.0f, 0.5f });</a:t>
+            </a:r>
+          </a:p>
+          <a:p>
             <a:r>
               <a:rPr lang="en-US" sz="2800" dirty="0" smtClean="0"/>
-              <a:t>0);</a:t>
-            </a:r>
-            <a:endParaRPr lang="it-IT" sz="2800" dirty="0"/>
-          </a:p>
-          <a:p>
-            <a:endParaRPr lang="en-US" sz="2800" dirty="0" smtClean="0"/>
-          </a:p>
-          <a:p>
+              <a:t>  </a:t>
+            </a:r>
             <a:r>
               <a:rPr lang="en-US" sz="2800" dirty="0" err="1" smtClean="0"/>
-              <a:t>LoadAssets</a:t>
+              <a:t>cb</a:t>
             </a:r>
             <a:r>
               <a:rPr lang="en-US" sz="2800" dirty="0" smtClean="0"/>
-              <a:t>:</a:t>
-            </a:r>
-          </a:p>
-          <a:p>
-            <a:r>
-              <a:rPr lang="it-IT" sz="2800" dirty="0"/>
-              <a:t>multiMesh = Egg::Mesh::Multi::Create();</a:t>
-            </a:r>
-          </a:p>
-          <a:p>
+              <a:t>-</a:t>
+            </a:r>
             <a:r>
               <a:rPr lang="en-US" sz="2800" dirty="0"/>
-              <a:t>auto flip = Egg::Mesh::Flip::Create();</a:t>
-            </a:r>
-          </a:p>
-          <a:p>
+              <a:t>&gt;objects[</a:t>
+            </a:r>
+            <a:r>
+              <a:rPr lang="en-US" sz="2800" dirty="0" err="1"/>
+              <a:t>i</a:t>
+            </a:r>
             <a:r>
               <a:rPr lang="en-US" sz="2800" dirty="0"/>
-              <a:t>flip-&gt;Add(0, </a:t>
+              <a:t>].</a:t>
             </a:r>
             <a:r>
               <a:rPr lang="en-US" sz="2800" dirty="0" err="1"/>
-              <a:t>shadedMesh</a:t>
+              <a:t>modelTransformInverse</a:t>
             </a:r>
             <a:r>
               <a:rPr lang="en-US" sz="2800" dirty="0"/>
-              <a:t>);</a:t>
-            </a:r>
-          </a:p>
-          <a:p>
+              <a:t> = </a:t>
+            </a:r>
             <a:r>
               <a:rPr lang="en-US" sz="2800" dirty="0" err="1"/>
-              <a:t>multiMesh</a:t>
+              <a:t>cb</a:t>
             </a:r>
             <a:r>
               <a:rPr lang="en-US" sz="2800" dirty="0"/>
-              <a:t>-&gt;Add(flip);</a:t>
-            </a:r>
-          </a:p>
-          <a:p>
-            <a:endParaRPr lang="hu-HU" sz="2800" dirty="0" smtClean="0"/>
-          </a:p>
-        </p:txBody>
-      </p:sp>
-      <p:sp>
-        <p:nvSpPr>
-          <p:cNvPr id="6" name="Title 5">
-            <a:extLst>
-              <a:ext uri="{FF2B5EF4-FFF2-40B4-BE49-F238E27FC236}">
-                <a16:creationId xmlns:a16="http://schemas.microsoft.com/office/drawing/2014/main" xmlns="" id="{13397F04-F22D-49B7-9111-3E764FC17708}"/>
-              </a:ext>
-            </a:extLst>
-          </p:cNvPr>
-          <p:cNvSpPr>
-            <a:spLocks noGrp="1"/>
-          </p:cNvSpPr>
-          <p:nvPr>
-            <p:ph type="title"/>
-          </p:nvPr>
-        </p:nvSpPr>
-        <p:spPr>
-          <a:xfrm>
-            <a:off x="152400" y="76200"/>
-            <a:ext cx="8839200" cy="685800"/>
-          </a:xfrm>
-        </p:spPr>
-        <p:txBody>
-          <a:bodyPr/>
-          <a:lstStyle/>
-          <a:p>
-            <a:r>
-              <a:rPr lang="en-US" sz="4000" dirty="0" smtClean="0"/>
-              <a:t>ggl0</a:t>
-            </a:r>
-            <a:r>
-              <a:rPr lang="hu-HU" sz="4000" dirty="0" smtClean="0"/>
-              <a:t>10</a:t>
-            </a:r>
-            <a:r>
-              <a:rPr lang="en-US" sz="4000" dirty="0" smtClean="0"/>
-              <a:t>App</a:t>
-            </a:r>
-            <a:endParaRPr lang="hu-HU" sz="4000" dirty="0"/>
+              <a:t>-&gt;objects[0].</a:t>
+            </a:r>
+            <a:r>
+              <a:rPr lang="en-US" sz="2800" dirty="0" err="1"/>
+              <a:t>modelTransform.Invert</a:t>
+            </a:r>
+            <a:r>
+              <a:rPr lang="en-US" sz="2800" dirty="0"/>
+              <a:t>();</a:t>
+            </a:r>
+          </a:p>
+          <a:p>
+            <a:r>
+              <a:rPr lang="en-US" sz="2800" dirty="0" smtClean="0"/>
+              <a:t>}</a:t>
+            </a:r>
+            <a:endParaRPr lang="en-US" sz="2800" dirty="0"/>
+          </a:p>
+          <a:p>
+            <a:endParaRPr lang="en-US" sz="2800" dirty="0"/>
           </a:p>
         </p:txBody>
       </p:sp>
     </p:spTree>
     <p:extLst>
       <p:ext uri="{BB962C8B-B14F-4D97-AF65-F5344CB8AC3E}">
-        <p14:creationId xmlns:p14="http://schemas.microsoft.com/office/powerpoint/2010/main" val="1169106867"/>
+        <p14:creationId xmlns:p14="http://schemas.microsoft.com/office/powerpoint/2010/main" val="440600807"/>
       </p:ext>
     </p:extLst>
   </p:cSld>
@@ -3941,7 +3499,7 @@
       </p:grpSpPr>
       <p:sp>
         <p:nvSpPr>
-          <p:cNvPr id="4" name="Title 3"/>
+          <p:cNvPr id="2" name="Title 1"/>
           <p:cNvSpPr>
             <a:spLocks noGrp="1"/>
           </p:cNvSpPr>
@@ -3956,7 +3514,7 @@
           <a:p>
             <a:r>
               <a:rPr lang="en-US" dirty="0" err="1" smtClean="0"/>
-              <a:t>Feladat</a:t>
+              <a:t>LoadAssets</a:t>
             </a:r>
             <a:endParaRPr lang="en-US" dirty="0"/>
           </a:p>
@@ -3964,51 +3522,98 @@
       </p:sp>
       <p:sp>
         <p:nvSpPr>
-          <p:cNvPr id="5" name="Content Placeholder 4"/>
+          <p:cNvPr id="3" name="Text Placeholder 2"/>
           <p:cNvSpPr>
             <a:spLocks noGrp="1"/>
           </p:cNvSpPr>
           <p:nvPr>
-            <p:ph idx="1"/>
+            <p:ph type="body" sz="quarter" idx="13"/>
           </p:nvPr>
         </p:nvSpPr>
         <p:spPr/>
         <p:txBody>
-          <a:bodyPr/>
+          <a:bodyPr>
+            <a:normAutofit/>
+          </a:bodyPr>
           <a:lstStyle/>
           <a:p>
             <a:r>
-              <a:rPr lang="en-US" dirty="0" smtClean="0"/>
-              <a:t>100 </a:t>
-            </a:r>
-            <a:r>
-              <a:rPr lang="en-US" dirty="0" err="1" smtClean="0"/>
-              <a:t>zsir</a:t>
-            </a:r>
-            <a:r>
-              <a:rPr lang="hu-HU" dirty="0" smtClean="0"/>
-              <a:t>áf</a:t>
-            </a:r>
-          </a:p>
-          <a:p>
-            <a:r>
-              <a:rPr lang="hu-HU" dirty="0" smtClean="0"/>
-              <a:t>egy konstansbufferrel</a:t>
-            </a:r>
-          </a:p>
-          <a:p>
-            <a:r>
-              <a:rPr lang="hu-HU" dirty="0" smtClean="0"/>
-              <a:t>egy MultiMesh-et százszor rajzolva</a:t>
-            </a:r>
-            <a:endParaRPr lang="en-US" dirty="0"/>
+              <a:rPr lang="en-US" sz="2800" dirty="0">
+                <a:solidFill>
+                  <a:schemeClr val="bg1">
+                    <a:lumMod val="50000"/>
+                  </a:schemeClr>
+                </a:solidFill>
+              </a:rPr>
+              <a:t>material-&gt;</a:t>
+            </a:r>
+            <a:r>
+              <a:rPr lang="en-US" sz="2800" dirty="0" err="1">
+                <a:solidFill>
+                  <a:schemeClr val="bg1">
+                    <a:lumMod val="50000"/>
+                  </a:schemeClr>
+                </a:solidFill>
+              </a:rPr>
+              <a:t>SetConstantBuffer</a:t>
+            </a:r>
+            <a:r>
+              <a:rPr lang="en-US" sz="2800" dirty="0">
+                <a:solidFill>
+                  <a:schemeClr val="bg1">
+                    <a:lumMod val="50000"/>
+                  </a:schemeClr>
+                </a:solidFill>
+              </a:rPr>
+              <a:t>(</a:t>
+            </a:r>
+            <a:r>
+              <a:rPr lang="en-US" sz="2800" dirty="0" err="1">
+                <a:solidFill>
+                  <a:schemeClr val="bg1">
+                    <a:lumMod val="50000"/>
+                  </a:schemeClr>
+                </a:solidFill>
+              </a:rPr>
+              <a:t>cb</a:t>
+            </a:r>
+            <a:r>
+              <a:rPr lang="en-US" sz="2800" dirty="0"/>
+              <a:t>, </a:t>
+            </a:r>
+            <a:r>
+              <a:rPr lang="en-US" sz="2800" dirty="0" err="1"/>
+              <a:t>sizeof</a:t>
+            </a:r>
+            <a:r>
+              <a:rPr lang="en-US" sz="2800" dirty="0"/>
+              <a:t>(Egg::Scene::</a:t>
+            </a:r>
+            <a:r>
+              <a:rPr lang="en-US" sz="2800" dirty="0" err="1"/>
+              <a:t>PerObjectData</a:t>
+            </a:r>
+            <a:r>
+              <a:rPr lang="en-US" sz="2800" dirty="0"/>
+              <a:t>)</a:t>
+            </a:r>
+            <a:r>
+              <a:rPr lang="en-US" sz="2800" dirty="0">
+                <a:solidFill>
+                  <a:schemeClr val="bg1">
+                    <a:lumMod val="50000"/>
+                  </a:schemeClr>
+                </a:solidFill>
+              </a:rPr>
+              <a:t>);</a:t>
+            </a:r>
           </a:p>
         </p:txBody>
       </p:sp>
     </p:spTree>
     <p:extLst>
       <p:ext uri="{BB962C8B-B14F-4D97-AF65-F5344CB8AC3E}">
-        <p14:creationId xmlns:p14="http://schemas.microsoft.com/office/powerpoint/2010/main" val="540934290"/>
+        <p14:creationId xmlns:p14="http://schemas.microsoft.com/office/powerpoint/2010/main" val="742420800"/>
       </p:ext>
     </p:extLst>
   </p:cSld>
@@ -4044,287 +3649,54 @@
       </p:grpSpPr>
       <p:sp>
         <p:nvSpPr>
-          <p:cNvPr id="3" name="Szöveg helye 2"/>
+          <p:cNvPr id="4" name="Title 3"/>
           <p:cNvSpPr>
             <a:spLocks noGrp="1"/>
           </p:cNvSpPr>
           <p:nvPr>
-            <p:ph type="body" sz="quarter" idx="13"/>
+            <p:ph type="title"/>
           </p:nvPr>
         </p:nvSpPr>
         <p:spPr/>
-        <p:txBody>
-          <a:bodyPr>
-            <a:normAutofit fontScale="92500"/>
-          </a:bodyPr>
-          <a:lstStyle/>
-          <a:p>
-            <a:r>
-              <a:rPr lang="en-US" sz="2800" dirty="0"/>
-              <a:t>#include &lt;Egg/Scene/</a:t>
-            </a:r>
-            <a:r>
-              <a:rPr lang="en-US" sz="2800" dirty="0" err="1"/>
-              <a:t>PerObjectData.h</a:t>
-            </a:r>
-            <a:r>
-              <a:rPr lang="en-US" sz="2800" dirty="0" smtClean="0"/>
-              <a:t>&gt;</a:t>
-            </a:r>
-            <a:endParaRPr lang="hu-HU" sz="2800" dirty="0" smtClean="0"/>
-          </a:p>
-          <a:p>
-            <a:endParaRPr lang="hu-HU" sz="2800" dirty="0"/>
-          </a:p>
-          <a:p>
-            <a:r>
-              <a:rPr lang="en-US" sz="2800" strike="sngStrike" dirty="0">
-                <a:solidFill>
-                  <a:srgbClr val="FF0000"/>
-                </a:solidFill>
-              </a:rPr>
-              <a:t>//__</a:t>
-            </a:r>
-            <a:r>
-              <a:rPr lang="en-US" sz="2800" strike="sngStrike" dirty="0" err="1">
-                <a:solidFill>
-                  <a:srgbClr val="FF0000"/>
-                </a:solidFill>
-              </a:rPr>
-              <a:t>declspec</a:t>
-            </a:r>
-            <a:r>
-              <a:rPr lang="en-US" sz="2800" strike="sngStrike" dirty="0">
-                <a:solidFill>
-                  <a:srgbClr val="FF0000"/>
-                </a:solidFill>
-              </a:rPr>
-              <a:t>(align(16)) </a:t>
-            </a:r>
-            <a:r>
-              <a:rPr lang="en-US" sz="2800" strike="sngStrike" dirty="0" err="1">
-                <a:solidFill>
-                  <a:srgbClr val="FF0000"/>
-                </a:solidFill>
-              </a:rPr>
-              <a:t>struct</a:t>
-            </a:r>
-            <a:r>
-              <a:rPr lang="en-US" sz="2800" strike="sngStrike" dirty="0">
-                <a:solidFill>
-                  <a:srgbClr val="FF0000"/>
-                </a:solidFill>
-              </a:rPr>
-              <a:t> </a:t>
-            </a:r>
-            <a:r>
-              <a:rPr lang="en-US" sz="2800" strike="sngStrike" dirty="0" err="1">
-                <a:solidFill>
-                  <a:srgbClr val="FF0000"/>
-                </a:solidFill>
-              </a:rPr>
-              <a:t>PerObjectCb</a:t>
-            </a:r>
-            <a:r>
-              <a:rPr lang="en-US" sz="2800" strike="sngStrike" dirty="0">
-                <a:solidFill>
-                  <a:srgbClr val="FF0000"/>
-                </a:solidFill>
-              </a:rPr>
-              <a:t> {</a:t>
-            </a:r>
-          </a:p>
-          <a:p>
-            <a:r>
-              <a:rPr lang="en-US" sz="2800" strike="sngStrike" dirty="0">
-                <a:solidFill>
-                  <a:srgbClr val="FF0000"/>
-                </a:solidFill>
-              </a:rPr>
-              <a:t>//</a:t>
-            </a:r>
-            <a:r>
-              <a:rPr lang="en-US" sz="2800" strike="sngStrike" dirty="0" err="1">
-                <a:solidFill>
-                  <a:srgbClr val="FF0000"/>
-                </a:solidFill>
-              </a:rPr>
-              <a:t>struct</a:t>
-            </a:r>
-            <a:r>
-              <a:rPr lang="en-US" sz="2800" strike="sngStrike" dirty="0">
-                <a:solidFill>
-                  <a:srgbClr val="FF0000"/>
-                </a:solidFill>
-              </a:rPr>
-              <a:t> {</a:t>
-            </a:r>
-          </a:p>
-          <a:p>
-            <a:r>
-              <a:rPr lang="en-US" sz="2800" strike="sngStrike" dirty="0">
-                <a:solidFill>
-                  <a:srgbClr val="FF0000"/>
-                </a:solidFill>
-              </a:rPr>
-              <a:t>//Float4x4 </a:t>
-            </a:r>
-            <a:r>
-              <a:rPr lang="en-US" sz="2800" strike="sngStrike" dirty="0" err="1">
-                <a:solidFill>
-                  <a:srgbClr val="FF0000"/>
-                </a:solidFill>
-              </a:rPr>
-              <a:t>modelTransform</a:t>
-            </a:r>
-            <a:r>
-              <a:rPr lang="en-US" sz="2800" strike="sngStrike" dirty="0">
-                <a:solidFill>
-                  <a:srgbClr val="FF0000"/>
-                </a:solidFill>
-              </a:rPr>
-              <a:t>;</a:t>
-            </a:r>
-          </a:p>
-          <a:p>
-            <a:r>
-              <a:rPr lang="en-US" sz="2800" strike="sngStrike" dirty="0">
-                <a:solidFill>
-                  <a:srgbClr val="FF0000"/>
-                </a:solidFill>
-              </a:rPr>
-              <a:t>//Float4x4 </a:t>
-            </a:r>
-            <a:r>
-              <a:rPr lang="en-US" sz="2800" strike="sngStrike" dirty="0" err="1">
-                <a:solidFill>
-                  <a:srgbClr val="FF0000"/>
-                </a:solidFill>
-              </a:rPr>
-              <a:t>modelTransformInverse</a:t>
-            </a:r>
-            <a:r>
-              <a:rPr lang="en-US" sz="2800" strike="sngStrike" dirty="0">
-                <a:solidFill>
-                  <a:srgbClr val="FF0000"/>
-                </a:solidFill>
-              </a:rPr>
-              <a:t>;</a:t>
-            </a:r>
-          </a:p>
-          <a:p>
-            <a:r>
-              <a:rPr lang="en-US" sz="2800" strike="sngStrike" dirty="0">
-                <a:solidFill>
-                  <a:srgbClr val="FF0000"/>
-                </a:solidFill>
-              </a:rPr>
-              <a:t>//} objects[1024];</a:t>
-            </a:r>
-          </a:p>
-          <a:p>
-            <a:r>
-              <a:rPr lang="en-US" sz="2800" strike="sngStrike" dirty="0">
-                <a:solidFill>
-                  <a:srgbClr val="FF0000"/>
-                </a:solidFill>
-              </a:rPr>
-              <a:t>//};</a:t>
-            </a:r>
-          </a:p>
-          <a:p>
-            <a:r>
-              <a:rPr lang="en-US" sz="2800" dirty="0"/>
-              <a:t>__</a:t>
-            </a:r>
-            <a:r>
-              <a:rPr lang="en-US" sz="2800" dirty="0" err="1"/>
-              <a:t>declspec</a:t>
-            </a:r>
-            <a:r>
-              <a:rPr lang="en-US" sz="2800" dirty="0"/>
-              <a:t>(align(16)) </a:t>
-            </a:r>
-            <a:r>
-              <a:rPr lang="en-US" sz="2800" dirty="0" err="1"/>
-              <a:t>struct</a:t>
-            </a:r>
-            <a:r>
-              <a:rPr lang="en-US" sz="2800" dirty="0"/>
-              <a:t> </a:t>
-            </a:r>
-            <a:r>
-              <a:rPr lang="en-US" sz="2800" dirty="0" err="1"/>
-              <a:t>PerObjectCb</a:t>
-            </a:r>
-            <a:r>
-              <a:rPr lang="en-US" sz="2800" dirty="0"/>
-              <a:t> {</a:t>
-            </a:r>
-          </a:p>
-          <a:p>
-            <a:r>
-              <a:rPr lang="en-US" sz="2800" dirty="0"/>
-              <a:t>Egg::Scene::</a:t>
-            </a:r>
-            <a:r>
-              <a:rPr lang="en-US" sz="2800" dirty="0" err="1"/>
-              <a:t>PerObjectData</a:t>
-            </a:r>
-            <a:r>
-              <a:rPr lang="en-US" sz="2800" dirty="0"/>
-              <a:t> objects[1024];</a:t>
-            </a:r>
-          </a:p>
-          <a:p>
-            <a:r>
-              <a:rPr lang="en-US" sz="2800" dirty="0"/>
-              <a:t>};</a:t>
-            </a:r>
-          </a:p>
-          <a:p>
-            <a:endParaRPr lang="en-US" sz="2800" dirty="0"/>
-          </a:p>
-        </p:txBody>
-      </p:sp>
-      <p:sp>
-        <p:nvSpPr>
-          <p:cNvPr id="6" name="Title 5">
-            <a:extLst>
-              <a:ext uri="{FF2B5EF4-FFF2-40B4-BE49-F238E27FC236}">
-                <a16:creationId xmlns:a16="http://schemas.microsoft.com/office/drawing/2014/main" xmlns="" id="{13397F04-F22D-49B7-9111-3E764FC17708}"/>
-              </a:ext>
-            </a:extLst>
-          </p:cNvPr>
-          <p:cNvSpPr>
-            <a:spLocks noGrp="1"/>
-          </p:cNvSpPr>
-          <p:nvPr>
-            <p:ph type="title"/>
-          </p:nvPr>
-        </p:nvSpPr>
-        <p:spPr>
-          <a:xfrm>
-            <a:off x="152400" y="76200"/>
-            <a:ext cx="8839200" cy="685800"/>
-          </a:xfrm>
-        </p:spPr>
         <p:txBody>
           <a:bodyPr/>
           <a:lstStyle/>
           <a:p>
             <a:r>
-              <a:rPr lang="hu-HU" sz="4000" dirty="0" smtClean="0"/>
-              <a:t>ConstantBufferTypes</a:t>
-            </a:r>
-            <a:endParaRPr lang="hu-HU" sz="4000" dirty="0"/>
+              <a:rPr lang="hu-HU" dirty="0" smtClean="0"/>
+              <a:t>Várt eredmény</a:t>
+            </a:r>
+            <a:endParaRPr lang="en-US" dirty="0"/>
+          </a:p>
+        </p:txBody>
+      </p:sp>
+      <p:sp>
+        <p:nvSpPr>
+          <p:cNvPr id="5" name="Content Placeholder 4"/>
+          <p:cNvSpPr>
+            <a:spLocks noGrp="1"/>
+          </p:cNvSpPr>
+          <p:nvPr>
+            <p:ph idx="1"/>
+          </p:nvPr>
+        </p:nvSpPr>
+        <p:spPr/>
+        <p:txBody>
+          <a:bodyPr/>
+          <a:lstStyle/>
+          <a:p>
+            <a:r>
+              <a:rPr lang="hu-HU" dirty="0" smtClean="0"/>
+              <a:t>100 zsiráf</a:t>
+            </a:r>
+            <a:endParaRPr lang="en-US" dirty="0"/>
           </a:p>
         </p:txBody>
       </p:sp>
     </p:spTree>
     <p:extLst>
       <p:ext uri="{BB962C8B-B14F-4D97-AF65-F5344CB8AC3E}">
-        <p14:creationId xmlns:p14="http://schemas.microsoft.com/office/powerpoint/2010/main" val="3723025871"/>
+        <p14:creationId xmlns:p14="http://schemas.microsoft.com/office/powerpoint/2010/main" val="1360246819"/>
       </p:ext>
     </p:extLst>
   </p:cSld>
@@ -4375,7 +3747,7 @@
           <a:p>
             <a:r>
               <a:rPr lang="hu-HU" dirty="0" smtClean="0"/>
-              <a:t>Update</a:t>
+              <a:t>Feladat</a:t>
             </a:r>
             <a:endParaRPr lang="en-US" dirty="0"/>
           </a:p>
@@ -4383,228 +3755,56 @@
       </p:sp>
       <p:sp>
         <p:nvSpPr>
-          <p:cNvPr id="3" name="Text Placeholder 2"/>
+          <p:cNvPr id="3" name="Content Placeholder 2"/>
           <p:cNvSpPr>
             <a:spLocks noGrp="1"/>
           </p:cNvSpPr>
           <p:nvPr>
-            <p:ph type="body" sz="quarter" idx="13"/>
+            <p:ph idx="1"/>
           </p:nvPr>
         </p:nvSpPr>
         <p:spPr/>
         <p:txBody>
-          <a:bodyPr>
-            <a:normAutofit/>
-          </a:bodyPr>
+          <a:bodyPr/>
           <a:lstStyle/>
           <a:p>
             <a:r>
-              <a:rPr lang="nn-NO" sz="2800" dirty="0" smtClean="0"/>
-              <a:t>for </a:t>
-            </a:r>
-            <a:r>
-              <a:rPr lang="nn-NO" sz="2800" dirty="0"/>
-              <a:t>(int i = 0; i &lt; 100; i++) {</a:t>
-            </a:r>
-          </a:p>
-          <a:p>
-            <a:r>
-              <a:rPr lang="en-US" sz="2800" dirty="0" smtClean="0"/>
-              <a:t>  </a:t>
-            </a:r>
-            <a:r>
-              <a:rPr lang="en-US" sz="2800" dirty="0" err="1" smtClean="0"/>
-              <a:t>cb</a:t>
-            </a:r>
-            <a:r>
-              <a:rPr lang="en-US" sz="2800" dirty="0" smtClean="0"/>
-              <a:t>-</a:t>
-            </a:r>
-            <a:r>
-              <a:rPr lang="en-US" sz="2800" dirty="0"/>
-              <a:t>&gt;objects[</a:t>
-            </a:r>
-            <a:r>
-              <a:rPr lang="en-US" sz="2800" dirty="0" err="1"/>
-              <a:t>i</a:t>
-            </a:r>
-            <a:r>
-              <a:rPr lang="en-US" sz="2800" dirty="0"/>
-              <a:t>].</a:t>
-            </a:r>
-            <a:r>
-              <a:rPr lang="en-US" sz="2800" dirty="0" err="1"/>
-              <a:t>modelTransform</a:t>
-            </a:r>
-            <a:r>
-              <a:rPr lang="en-US" sz="2800" dirty="0"/>
-              <a:t> </a:t>
-            </a:r>
-            <a:r>
-              <a:rPr lang="en-US" sz="2800" dirty="0" smtClean="0"/>
-              <a:t>=</a:t>
-            </a:r>
-          </a:p>
-          <a:p>
-            <a:r>
-              <a:rPr lang="en-US" sz="2800" dirty="0"/>
-              <a:t> </a:t>
-            </a:r>
-            <a:r>
-              <a:rPr lang="en-US" sz="2800" dirty="0" smtClean="0"/>
-              <a:t>   Float4x4</a:t>
-            </a:r>
-            <a:r>
-              <a:rPr lang="en-US" sz="2800" dirty="0"/>
-              <a:t>::Translation</a:t>
-            </a:r>
-            <a:r>
-              <a:rPr lang="en-US" sz="2800" dirty="0" smtClean="0"/>
-              <a:t>(</a:t>
-            </a:r>
-          </a:p>
-          <a:p>
-            <a:r>
-              <a:rPr lang="en-US" sz="2800" dirty="0" smtClean="0"/>
-              <a:t>      </a:t>
-            </a:r>
-            <a:r>
-              <a:rPr lang="en-US" sz="2800" dirty="0" smtClean="0"/>
-              <a:t>Float3</a:t>
-            </a:r>
-            <a:r>
-              <a:rPr lang="en-US" sz="2800" dirty="0"/>
-              <a:t>{ -(float)</a:t>
-            </a:r>
-            <a:r>
-              <a:rPr lang="en-US" sz="2800" dirty="0" err="1"/>
-              <a:t>i</a:t>
-            </a:r>
-            <a:r>
-              <a:rPr lang="en-US" sz="2800" dirty="0"/>
-              <a:t>, 0.0f, -0.5f </a:t>
-            </a:r>
-            <a:r>
-              <a:rPr lang="en-US" sz="2800" dirty="0" smtClean="0"/>
-              <a:t>})</a:t>
-            </a:r>
-          </a:p>
-          <a:p>
-            <a:r>
-              <a:rPr lang="en-US" sz="2800" dirty="0" smtClean="0"/>
-              <a:t>    * rotation *</a:t>
-            </a:r>
-          </a:p>
-          <a:p>
-            <a:r>
-              <a:rPr lang="en-US" sz="2800" dirty="0"/>
-              <a:t> </a:t>
-            </a:r>
-            <a:r>
-              <a:rPr lang="en-US" sz="2800" dirty="0" smtClean="0"/>
-              <a:t>   Float4x4</a:t>
-            </a:r>
-            <a:r>
-              <a:rPr lang="en-US" sz="2800" dirty="0"/>
-              <a:t>::Translation</a:t>
-            </a:r>
-            <a:r>
-              <a:rPr lang="en-US" sz="2800" dirty="0" smtClean="0"/>
-              <a:t>(</a:t>
-            </a:r>
-          </a:p>
-          <a:p>
-            <a:r>
-              <a:rPr lang="en-US" sz="2800" dirty="0"/>
-              <a:t> </a:t>
-            </a:r>
-            <a:r>
-              <a:rPr lang="en-US" sz="2800" dirty="0" smtClean="0"/>
-              <a:t>     </a:t>
-            </a:r>
-            <a:r>
-              <a:rPr lang="en-US" sz="2800" dirty="0" smtClean="0"/>
-              <a:t>Float3</a:t>
-            </a:r>
-            <a:r>
-              <a:rPr lang="en-US" sz="2800" dirty="0"/>
-              <a:t>{ (float)</a:t>
-            </a:r>
-            <a:r>
-              <a:rPr lang="en-US" sz="2800" dirty="0" err="1"/>
-              <a:t>i</a:t>
-            </a:r>
-            <a:r>
-              <a:rPr lang="en-US" sz="2800" dirty="0"/>
-              <a:t>, 0.0f, 0.5f });</a:t>
-            </a:r>
-          </a:p>
-          <a:p>
-            <a:r>
-              <a:rPr lang="en-US" sz="2800" dirty="0" smtClean="0"/>
-              <a:t>  </a:t>
-            </a:r>
-            <a:r>
-              <a:rPr lang="en-US" sz="2800" dirty="0" err="1" smtClean="0"/>
-              <a:t>cb</a:t>
-            </a:r>
-            <a:r>
-              <a:rPr lang="en-US" sz="2800" dirty="0" smtClean="0"/>
-              <a:t>-</a:t>
-            </a:r>
-            <a:r>
-              <a:rPr lang="en-US" sz="2800" dirty="0"/>
-              <a:t>&gt;objects[</a:t>
-            </a:r>
-            <a:r>
-              <a:rPr lang="en-US" sz="2800" dirty="0" err="1"/>
-              <a:t>i</a:t>
-            </a:r>
-            <a:r>
-              <a:rPr lang="en-US" sz="2800" dirty="0"/>
-              <a:t>].</a:t>
-            </a:r>
-            <a:r>
-              <a:rPr lang="en-US" sz="2800" dirty="0" err="1"/>
-              <a:t>modelTransformInverse</a:t>
-            </a:r>
-            <a:r>
-              <a:rPr lang="en-US" sz="2800" dirty="0"/>
-              <a:t> = </a:t>
-            </a:r>
-            <a:r>
-              <a:rPr lang="en-US" sz="2800" dirty="0" err="1"/>
-              <a:t>cb</a:t>
-            </a:r>
-            <a:r>
-              <a:rPr lang="en-US" sz="2800" dirty="0"/>
-              <a:t>-&gt;objects[0].</a:t>
-            </a:r>
-            <a:r>
-              <a:rPr lang="en-US" sz="2800" dirty="0" err="1"/>
-              <a:t>modelTransform.Invert</a:t>
-            </a:r>
-            <a:r>
-              <a:rPr lang="en-US" sz="2800" dirty="0"/>
-              <a:t>();</a:t>
-            </a:r>
-          </a:p>
-          <a:p>
-            <a:r>
-              <a:rPr lang="en-US" sz="2800" dirty="0" smtClean="0"/>
-              <a:t>}</a:t>
-            </a:r>
-            <a:endParaRPr lang="en-US" sz="2800" dirty="0"/>
-          </a:p>
-          <a:p>
-            <a:endParaRPr lang="en-US" sz="2800" dirty="0"/>
+              <a:rPr lang="hu-HU" dirty="0" smtClean="0"/>
+              <a:t>100 entitás</a:t>
+            </a:r>
+          </a:p>
+          <a:p>
+            <a:endParaRPr lang="hu-HU" dirty="0"/>
+          </a:p>
+          <a:p>
+            <a:r>
+              <a:rPr lang="hu-HU" dirty="0" smtClean="0"/>
+              <a:t>következő diák, plusz:</a:t>
+            </a:r>
+          </a:p>
+          <a:p>
+            <a:r>
+              <a:rPr lang="hu-HU" smtClean="0"/>
+              <a:t>LoadAssetsben </a:t>
+            </a:r>
+            <a:r>
+              <a:rPr lang="hu-HU" dirty="0" smtClean="0"/>
+              <a:t>100 entity létrehozása</a:t>
+            </a:r>
+          </a:p>
+          <a:p>
+            <a:r>
+              <a:rPr lang="hu-HU" dirty="0" smtClean="0"/>
+              <a:t>rajzoláskor az összes rajzolása</a:t>
+            </a:r>
+            <a:endParaRPr lang="en-US" dirty="0"/>
           </a:p>
         </p:txBody>
       </p:sp>
     </p:spTree>
     <p:extLst>
       <p:ext uri="{BB962C8B-B14F-4D97-AF65-F5344CB8AC3E}">
-        <p14:creationId xmlns:p14="http://schemas.microsoft.com/office/powerpoint/2010/main" val="440600807"/>
+        <p14:creationId xmlns:p14="http://schemas.microsoft.com/office/powerpoint/2010/main" val="895103360"/>
       </p:ext>
     </p:extLst>
   </p:cSld>
